--- a/プログラミング勉強会Python編(3.関数).pptx
+++ b/プログラミング勉強会Python編(3.関数).pptx
@@ -4889,7 +4889,7 @@
                 <a16:creationId xmlns:a16="http://schemas.microsoft.com/office/drawing/2014/main" id="{748618E9-EE2D-4864-9EEE-58939BD4FBBA}"/>
               </a:ext>
               <a:ext uri="{C183D7F6-B498-43B3-948B-1728B52AA6E4}">
-                <adec:decorative xmlns="" xmlns:adec="http://schemas.microsoft.com/office/drawing/2017/decorative" val="1"/>
+                <adec:decorative xmlns:adec="http://schemas.microsoft.com/office/drawing/2017/decorative" xmlns="" val="1"/>
               </a:ext>
             </a:extLst>
           </p:cNvPr>
@@ -6454,7 +6454,7 @@
                 <a16:creationId xmlns:a16="http://schemas.microsoft.com/office/drawing/2014/main" id="{2437C4A8-8E3A-4ADA-93B9-64737CE1ABB1}"/>
               </a:ext>
               <a:ext uri="{C183D7F6-B498-43B3-948B-1728B52AA6E4}">
-                <adec:decorative xmlns="" xmlns:adec="http://schemas.microsoft.com/office/drawing/2017/decorative" val="1"/>
+                <adec:decorative xmlns:adec="http://schemas.microsoft.com/office/drawing/2017/decorative" xmlns="" val="1"/>
               </a:ext>
             </a:extLst>
           </p:cNvPr>
@@ -6530,7 +6530,7 @@
           <a:p>
             <a:fld id="{8F72BA41-EC5B-4197-BCC8-0FD2E523CD7A}" type="datetimeFigureOut">
               <a:rPr lang="en-US" smtClean="0"/>
-              <a:t>7/2/2023</a:t>
+              <a:t>7/24/2023</a:t>
             </a:fld>
             <a:endParaRPr lang="en-US"/>
           </a:p>
@@ -6733,7 +6733,7 @@
           <a:p>
             <a:fld id="{8F72BA41-EC5B-4197-BCC8-0FD2E523CD7A}" type="datetimeFigureOut">
               <a:rPr lang="en-US" smtClean="0"/>
-              <a:t>7/2/2023</a:t>
+              <a:t>7/24/2023</a:t>
             </a:fld>
             <a:endParaRPr lang="en-US"/>
           </a:p>
@@ -6831,7 +6831,7 @@
                 <a16:creationId xmlns:a16="http://schemas.microsoft.com/office/drawing/2014/main" id="{65405209-5179-4359-91ED-1B1A46619A99}"/>
               </a:ext>
               <a:ext uri="{C183D7F6-B498-43B3-948B-1728B52AA6E4}">
-                <adec:decorative xmlns="" xmlns:adec="http://schemas.microsoft.com/office/drawing/2017/decorative" val="1"/>
+                <adec:decorative xmlns:adec="http://schemas.microsoft.com/office/drawing/2017/decorative" xmlns="" val="1"/>
               </a:ext>
             </a:extLst>
           </p:cNvPr>
@@ -8281,7 +8281,7 @@
                 <a16:creationId xmlns:a16="http://schemas.microsoft.com/office/drawing/2014/main" id="{ACE66A86-8455-497B-9CA4-F460A19E5FBB}"/>
               </a:ext>
               <a:ext uri="{C183D7F6-B498-43B3-948B-1728B52AA6E4}">
-                <adec:decorative xmlns="" xmlns:adec="http://schemas.microsoft.com/office/drawing/2017/decorative" val="1"/>
+                <adec:decorative xmlns:adec="http://schemas.microsoft.com/office/drawing/2017/decorative" xmlns="" val="1"/>
               </a:ext>
             </a:extLst>
           </p:cNvPr>
@@ -8454,7 +8454,7 @@
           <a:p>
             <a:fld id="{8F72BA41-EC5B-4197-BCC8-0FD2E523CD7A}" type="datetimeFigureOut">
               <a:rPr lang="en-US" smtClean="0"/>
-              <a:t>7/2/2023</a:t>
+              <a:t>7/24/2023</a:t>
             </a:fld>
             <a:endParaRPr lang="en-US"/>
           </a:p>
@@ -8653,7 +8653,7 @@
           <a:p>
             <a:fld id="{8F72BA41-EC5B-4197-BCC8-0FD2E523CD7A}" type="datetimeFigureOut">
               <a:rPr lang="en-US" smtClean="0"/>
-              <a:t>7/2/2023</a:t>
+              <a:t>7/24/2023</a:t>
             </a:fld>
             <a:endParaRPr lang="en-US"/>
           </a:p>
@@ -8751,7 +8751,7 @@
                 <a16:creationId xmlns:a16="http://schemas.microsoft.com/office/drawing/2014/main" id="{A69DB7AC-F7D7-430A-A2A7-CD3EBBF1D35D}"/>
               </a:ext>
               <a:ext uri="{C183D7F6-B498-43B3-948B-1728B52AA6E4}">
-                <adec:decorative xmlns="" xmlns:adec="http://schemas.microsoft.com/office/drawing/2017/decorative" val="1"/>
+                <adec:decorative xmlns:adec="http://schemas.microsoft.com/office/drawing/2017/decorative" xmlns="" val="1"/>
               </a:ext>
             </a:extLst>
           </p:cNvPr>
@@ -10367,7 +10367,7 @@
                 <a16:creationId xmlns:a16="http://schemas.microsoft.com/office/drawing/2014/main" id="{6741F519-22CF-4C01-B140-5480DBAB30F8}"/>
               </a:ext>
               <a:ext uri="{C183D7F6-B498-43B3-948B-1728B52AA6E4}">
-                <adec:decorative xmlns="" xmlns:adec="http://schemas.microsoft.com/office/drawing/2017/decorative" val="1"/>
+                <adec:decorative xmlns:adec="http://schemas.microsoft.com/office/drawing/2017/decorative" xmlns="" val="1"/>
               </a:ext>
             </a:extLst>
           </p:cNvPr>
@@ -10443,7 +10443,7 @@
           <a:p>
             <a:fld id="{8F72BA41-EC5B-4197-BCC8-0FD2E523CD7A}" type="datetimeFigureOut">
               <a:rPr lang="en-US" smtClean="0"/>
-              <a:t>7/2/2023</a:t>
+              <a:t>7/24/2023</a:t>
             </a:fld>
             <a:endParaRPr lang="en-US"/>
           </a:p>
@@ -10716,7 +10716,7 @@
           <a:p>
             <a:fld id="{8F72BA41-EC5B-4197-BCC8-0FD2E523CD7A}" type="datetimeFigureOut">
               <a:rPr lang="en-US" smtClean="0"/>
-              <a:t>7/2/2023</a:t>
+              <a:t>7/24/2023</a:t>
             </a:fld>
             <a:endParaRPr lang="en-US"/>
           </a:p>
@@ -11136,7 +11136,7 @@
           <a:p>
             <a:fld id="{8F72BA41-EC5B-4197-BCC8-0FD2E523CD7A}" type="datetimeFigureOut">
               <a:rPr lang="en-US" smtClean="0"/>
-              <a:t>7/2/2023</a:t>
+              <a:t>7/24/2023</a:t>
             </a:fld>
             <a:endParaRPr lang="en-US"/>
           </a:p>
@@ -11292,7 +11292,7 @@
           <a:p>
             <a:fld id="{8F72BA41-EC5B-4197-BCC8-0FD2E523CD7A}" type="datetimeFigureOut">
               <a:rPr lang="en-US" smtClean="0"/>
-              <a:t>7/2/2023</a:t>
+              <a:t>7/24/2023</a:t>
             </a:fld>
             <a:endParaRPr lang="en-US"/>
           </a:p>
@@ -11395,7 +11395,7 @@
                 <a16:creationId xmlns:a16="http://schemas.microsoft.com/office/drawing/2014/main" id="{45BED274-5EB4-4EF4-B353-E55BD502655C}"/>
               </a:ext>
               <a:ext uri="{C183D7F6-B498-43B3-948B-1728B52AA6E4}">
-                <adec:decorative xmlns="" xmlns:adec="http://schemas.microsoft.com/office/drawing/2017/decorative" val="1"/>
+                <adec:decorative xmlns:adec="http://schemas.microsoft.com/office/drawing/2017/decorative" xmlns="" val="1"/>
               </a:ext>
             </a:extLst>
           </p:cNvPr>
@@ -12860,7 +12860,7 @@
           <a:p>
             <a:fld id="{8F72BA41-EC5B-4197-BCC8-0FD2E523CD7A}" type="datetimeFigureOut">
               <a:rPr lang="en-US" smtClean="0"/>
-              <a:t>7/2/2023</a:t>
+              <a:t>7/24/2023</a:t>
             </a:fld>
             <a:endParaRPr lang="en-US"/>
           </a:p>
@@ -12958,7 +12958,7 @@
                 <a16:creationId xmlns:a16="http://schemas.microsoft.com/office/drawing/2014/main" id="{C4853C57-22BC-4465-8B37-DC06FE5A0003}"/>
               </a:ext>
               <a:ext uri="{C183D7F6-B498-43B3-948B-1728B52AA6E4}">
-                <adec:decorative xmlns="" xmlns:adec="http://schemas.microsoft.com/office/drawing/2017/decorative" val="1"/>
+                <adec:decorative xmlns:adec="http://schemas.microsoft.com/office/drawing/2017/decorative" xmlns="" val="1"/>
               </a:ext>
             </a:extLst>
           </p:cNvPr>
@@ -13246,7 +13246,7 @@
                 <a16:creationId xmlns:a16="http://schemas.microsoft.com/office/drawing/2014/main" id="{0550D594-9D00-4E12-9A7B-8B78EC199482}"/>
               </a:ext>
               <a:ext uri="{C183D7F6-B498-43B3-948B-1728B52AA6E4}">
-                <adec:decorative xmlns="" xmlns:adec="http://schemas.microsoft.com/office/drawing/2017/decorative" val="1"/>
+                <adec:decorative xmlns:adec="http://schemas.microsoft.com/office/drawing/2017/decorative" xmlns="" val="1"/>
               </a:ext>
             </a:extLst>
           </p:cNvPr>
@@ -14711,7 +14711,7 @@
           <a:p>
             <a:fld id="{8F72BA41-EC5B-4197-BCC8-0FD2E523CD7A}" type="datetimeFigureOut">
               <a:rPr lang="en-US" smtClean="0"/>
-              <a:t>7/2/2023</a:t>
+              <a:t>7/24/2023</a:t>
             </a:fld>
             <a:endParaRPr lang="en-US"/>
           </a:p>
@@ -14809,7 +14809,7 @@
                 <a16:creationId xmlns:a16="http://schemas.microsoft.com/office/drawing/2014/main" id="{0DDA6865-0A03-48FA-AD6E-D5BF8FDE9272}"/>
               </a:ext>
               <a:ext uri="{C183D7F6-B498-43B3-948B-1728B52AA6E4}">
-                <adec:decorative xmlns="" xmlns:adec="http://schemas.microsoft.com/office/drawing/2017/decorative" val="1"/>
+                <adec:decorative xmlns:adec="http://schemas.microsoft.com/office/drawing/2017/decorative" xmlns="" val="1"/>
               </a:ext>
             </a:extLst>
           </p:cNvPr>
@@ -16370,7 +16370,7 @@
                 <a16:creationId xmlns:a16="http://schemas.microsoft.com/office/drawing/2014/main" id="{205CDEB9-8DED-4711-8140-4C943FC2CDA0}"/>
               </a:ext>
               <a:ext uri="{C183D7F6-B498-43B3-948B-1728B52AA6E4}">
-                <adec:decorative xmlns="" xmlns:adec="http://schemas.microsoft.com/office/drawing/2017/decorative" val="1"/>
+                <adec:decorative xmlns:adec="http://schemas.microsoft.com/office/drawing/2017/decorative" xmlns="" val="1"/>
               </a:ext>
             </a:extLst>
           </p:cNvPr>
@@ -16524,7 +16524,7 @@
           <a:p>
             <a:fld id="{8F72BA41-EC5B-4197-BCC8-0FD2E523CD7A}" type="datetimeFigureOut">
               <a:rPr lang="en-US" smtClean="0"/>
-              <a:t>7/2/2023</a:t>
+              <a:t>7/24/2023</a:t>
             </a:fld>
             <a:endParaRPr lang="en-US"/>
           </a:p>
@@ -16627,7 +16627,7 @@
                 <a16:creationId xmlns:a16="http://schemas.microsoft.com/office/drawing/2014/main" id="{BDF0D99C-5D42-41C6-A50C-C4E2D6B2A36E}"/>
               </a:ext>
               <a:ext uri="{C183D7F6-B498-43B3-948B-1728B52AA6E4}">
-                <adec:decorative xmlns="" xmlns:adec="http://schemas.microsoft.com/office/drawing/2017/decorative" val="1"/>
+                <adec:decorative xmlns:adec="http://schemas.microsoft.com/office/drawing/2017/decorative" xmlns="" val="1"/>
               </a:ext>
             </a:extLst>
           </p:cNvPr>
@@ -18214,7 +18214,7 @@
             <a:fld id="{8F72BA41-EC5B-4197-BCC8-0FD2E523CD7A}" type="datetimeFigureOut">
               <a:rPr lang="en-US" smtClean="0"/>
               <a:pPr/>
-              <a:t>7/2/2023</a:t>
+              <a:t>7/24/2023</a:t>
             </a:fld>
             <a:endParaRPr lang="en-US" dirty="0"/>
           </a:p>
@@ -18319,7 +18319,7 @@
                 <a16:creationId xmlns:a16="http://schemas.microsoft.com/office/drawing/2014/main" id="{63BAC6E0-ADAC-40FB-AF53-88FA5F83738C}"/>
               </a:ext>
               <a:ext uri="{C183D7F6-B498-43B3-948B-1728B52AA6E4}">
-                <adec:decorative xmlns="" xmlns:adec="http://schemas.microsoft.com/office/drawing/2017/decorative" val="1"/>
+                <adec:decorative xmlns:adec="http://schemas.microsoft.com/office/drawing/2017/decorative" xmlns="" val="1"/>
               </a:ext>
             </a:extLst>
           </p:cNvPr>
@@ -18744,7 +18744,7 @@
                 <a16:creationId xmlns:a16="http://schemas.microsoft.com/office/drawing/2014/main" id="{BA6285CA-6AFA-4F27-AFB5-1B32CDE09B1A}"/>
               </a:ext>
               <a:ext uri="{C183D7F6-B498-43B3-948B-1728B52AA6E4}">
-                <adec:decorative xmlns="" xmlns:adec="http://schemas.microsoft.com/office/drawing/2017/decorative" val="1"/>
+                <adec:decorative xmlns:adec="http://schemas.microsoft.com/office/drawing/2017/decorative" xmlns="" val="1"/>
               </a:ext>
             </a:extLst>
           </p:cNvPr>
@@ -18808,7 +18808,7 @@
                 <a16:creationId xmlns:a16="http://schemas.microsoft.com/office/drawing/2014/main" id="{5DBF4C08-1E63-4DF5-8493-1C3BBDCA3BBF}"/>
               </a:ext>
               <a:ext uri="{C183D7F6-B498-43B3-948B-1728B52AA6E4}">
-                <adec:decorative xmlns="" xmlns:adec="http://schemas.microsoft.com/office/drawing/2017/decorative" val="1"/>
+                <adec:decorative xmlns:adec="http://schemas.microsoft.com/office/drawing/2017/decorative" xmlns="" val="1"/>
               </a:ext>
             </a:extLst>
           </p:cNvPr>
@@ -18839,7 +18839,7 @@
                   <a16:creationId xmlns:a16="http://schemas.microsoft.com/office/drawing/2014/main" id="{B0172335-C8F3-4867-9911-2F5BD212C866}"/>
                 </a:ext>
                 <a:ext uri="{C183D7F6-B498-43B3-948B-1728B52AA6E4}">
-                  <adec:decorative xmlns="" xmlns:adec="http://schemas.microsoft.com/office/drawing/2017/decorative" val="1"/>
+                  <adec:decorative xmlns:adec="http://schemas.microsoft.com/office/drawing/2017/decorative" xmlns="" val="1"/>
                 </a:ext>
               </a:extLst>
             </p:cNvPr>
@@ -18894,7 +18894,7 @@
                   <a16:creationId xmlns:a16="http://schemas.microsoft.com/office/drawing/2014/main" id="{67BDAF4F-CC6E-411F-A8CD-919C9BF08833}"/>
                 </a:ext>
                 <a:ext uri="{C183D7F6-B498-43B3-948B-1728B52AA6E4}">
-                  <adec:decorative xmlns="" xmlns:adec="http://schemas.microsoft.com/office/drawing/2017/decorative" val="1"/>
+                  <adec:decorative xmlns:adec="http://schemas.microsoft.com/office/drawing/2017/decorative" xmlns="" val="1"/>
                 </a:ext>
               </a:extLst>
             </p:cNvPr>
@@ -18949,7 +18949,7 @@
                   <a16:creationId xmlns:a16="http://schemas.microsoft.com/office/drawing/2014/main" id="{5DA124D5-EC6C-40E8-A453-8021DEF63F90}"/>
                 </a:ext>
                 <a:ext uri="{C183D7F6-B498-43B3-948B-1728B52AA6E4}">
-                  <adec:decorative xmlns="" xmlns:adec="http://schemas.microsoft.com/office/drawing/2017/decorative" val="1"/>
+                  <adec:decorative xmlns:adec="http://schemas.microsoft.com/office/drawing/2017/decorative" xmlns="" val="1"/>
                 </a:ext>
               </a:extLst>
             </p:cNvPr>
@@ -19004,7 +19004,7 @@
                   <a16:creationId xmlns:a16="http://schemas.microsoft.com/office/drawing/2014/main" id="{CC7C4E89-FF36-4C86-8662-1B0DE7F21A8C}"/>
                 </a:ext>
                 <a:ext uri="{C183D7F6-B498-43B3-948B-1728B52AA6E4}">
-                  <adec:decorative xmlns="" xmlns:adec="http://schemas.microsoft.com/office/drawing/2017/decorative" val="1"/>
+                  <adec:decorative xmlns:adec="http://schemas.microsoft.com/office/drawing/2017/decorative" xmlns="" val="1"/>
                 </a:ext>
               </a:extLst>
             </p:cNvPr>
@@ -19059,7 +19059,7 @@
                   <a16:creationId xmlns:a16="http://schemas.microsoft.com/office/drawing/2014/main" id="{6728F9F7-96C0-40B6-8FEC-1204F7E5786A}"/>
                 </a:ext>
                 <a:ext uri="{C183D7F6-B498-43B3-948B-1728B52AA6E4}">
-                  <adec:decorative xmlns="" xmlns:adec="http://schemas.microsoft.com/office/drawing/2017/decorative" val="1"/>
+                  <adec:decorative xmlns:adec="http://schemas.microsoft.com/office/drawing/2017/decorative" xmlns="" val="1"/>
                 </a:ext>
               </a:extLst>
             </p:cNvPr>
@@ -19114,7 +19114,7 @@
                   <a16:creationId xmlns:a16="http://schemas.microsoft.com/office/drawing/2014/main" id="{9BF2264B-0EBB-4AE9-B192-C49A51638357}"/>
                 </a:ext>
                 <a:ext uri="{C183D7F6-B498-43B3-948B-1728B52AA6E4}">
-                  <adec:decorative xmlns="" xmlns:adec="http://schemas.microsoft.com/office/drawing/2017/decorative" val="1"/>
+                  <adec:decorative xmlns:adec="http://schemas.microsoft.com/office/drawing/2017/decorative" xmlns="" val="1"/>
                 </a:ext>
               </a:extLst>
             </p:cNvPr>
@@ -19169,7 +19169,7 @@
                   <a16:creationId xmlns:a16="http://schemas.microsoft.com/office/drawing/2014/main" id="{980A4381-2144-4FCB-95A1-1538834F48F7}"/>
                 </a:ext>
                 <a:ext uri="{C183D7F6-B498-43B3-948B-1728B52AA6E4}">
-                  <adec:decorative xmlns="" xmlns:adec="http://schemas.microsoft.com/office/drawing/2017/decorative" val="1"/>
+                  <adec:decorative xmlns:adec="http://schemas.microsoft.com/office/drawing/2017/decorative" xmlns="" val="1"/>
                 </a:ext>
               </a:extLst>
             </p:cNvPr>
@@ -19224,7 +19224,7 @@
                   <a16:creationId xmlns:a16="http://schemas.microsoft.com/office/drawing/2014/main" id="{E0FDAAE2-E1A2-4517-838D-DB7B1BE30BDA}"/>
                 </a:ext>
                 <a:ext uri="{C183D7F6-B498-43B3-948B-1728B52AA6E4}">
-                  <adec:decorative xmlns="" xmlns:adec="http://schemas.microsoft.com/office/drawing/2017/decorative" val="1"/>
+                  <adec:decorative xmlns:adec="http://schemas.microsoft.com/office/drawing/2017/decorative" xmlns="" val="1"/>
                 </a:ext>
               </a:extLst>
             </p:cNvPr>
@@ -19279,7 +19279,7 @@
                   <a16:creationId xmlns:a16="http://schemas.microsoft.com/office/drawing/2014/main" id="{57BBB666-4FE4-459B-AA22-99776D6B0260}"/>
                 </a:ext>
                 <a:ext uri="{C183D7F6-B498-43B3-948B-1728B52AA6E4}">
-                  <adec:decorative xmlns="" xmlns:adec="http://schemas.microsoft.com/office/drawing/2017/decorative" val="1"/>
+                  <adec:decorative xmlns:adec="http://schemas.microsoft.com/office/drawing/2017/decorative" xmlns="" val="1"/>
                 </a:ext>
               </a:extLst>
             </p:cNvPr>
@@ -19334,7 +19334,7 @@
                   <a16:creationId xmlns:a16="http://schemas.microsoft.com/office/drawing/2014/main" id="{8E23CB0F-9564-4C2B-8847-CECC117187DA}"/>
                 </a:ext>
                 <a:ext uri="{C183D7F6-B498-43B3-948B-1728B52AA6E4}">
-                  <adec:decorative xmlns="" xmlns:adec="http://schemas.microsoft.com/office/drawing/2017/decorative" val="1"/>
+                  <adec:decorative xmlns:adec="http://schemas.microsoft.com/office/drawing/2017/decorative" xmlns="" val="1"/>
                 </a:ext>
               </a:extLst>
             </p:cNvPr>
@@ -19389,7 +19389,7 @@
                   <a16:creationId xmlns:a16="http://schemas.microsoft.com/office/drawing/2014/main" id="{0A06EBC9-FF83-480F-BAFC-F11C07A10935}"/>
                 </a:ext>
                 <a:ext uri="{C183D7F6-B498-43B3-948B-1728B52AA6E4}">
-                  <adec:decorative xmlns="" xmlns:adec="http://schemas.microsoft.com/office/drawing/2017/decorative" val="1"/>
+                  <adec:decorative xmlns:adec="http://schemas.microsoft.com/office/drawing/2017/decorative" xmlns="" val="1"/>
                 </a:ext>
               </a:extLst>
             </p:cNvPr>
@@ -19444,7 +19444,7 @@
                   <a16:creationId xmlns:a16="http://schemas.microsoft.com/office/drawing/2014/main" id="{30B19B23-13F1-4B16-9E14-7C8A6CD4BCA4}"/>
                 </a:ext>
                 <a:ext uri="{C183D7F6-B498-43B3-948B-1728B52AA6E4}">
-                  <adec:decorative xmlns="" xmlns:adec="http://schemas.microsoft.com/office/drawing/2017/decorative" val="1"/>
+                  <adec:decorative xmlns:adec="http://schemas.microsoft.com/office/drawing/2017/decorative" xmlns="" val="1"/>
                 </a:ext>
               </a:extLst>
             </p:cNvPr>
@@ -19499,7 +19499,7 @@
                   <a16:creationId xmlns:a16="http://schemas.microsoft.com/office/drawing/2014/main" id="{5E4C9EBB-4687-4958-B779-A7E68209D7F5}"/>
                 </a:ext>
                 <a:ext uri="{C183D7F6-B498-43B3-948B-1728B52AA6E4}">
-                  <adec:decorative xmlns="" xmlns:adec="http://schemas.microsoft.com/office/drawing/2017/decorative" val="1"/>
+                  <adec:decorative xmlns:adec="http://schemas.microsoft.com/office/drawing/2017/decorative" xmlns="" val="1"/>
                 </a:ext>
               </a:extLst>
             </p:cNvPr>
@@ -19554,7 +19554,7 @@
                   <a16:creationId xmlns:a16="http://schemas.microsoft.com/office/drawing/2014/main" id="{43686F2B-B045-40CC-B434-69B83AA1976A}"/>
                 </a:ext>
                 <a:ext uri="{C183D7F6-B498-43B3-948B-1728B52AA6E4}">
-                  <adec:decorative xmlns="" xmlns:adec="http://schemas.microsoft.com/office/drawing/2017/decorative" val="1"/>
+                  <adec:decorative xmlns:adec="http://schemas.microsoft.com/office/drawing/2017/decorative" xmlns="" val="1"/>
                 </a:ext>
               </a:extLst>
             </p:cNvPr>
@@ -19609,7 +19609,7 @@
                   <a16:creationId xmlns:a16="http://schemas.microsoft.com/office/drawing/2014/main" id="{764C71E8-FEA3-4F9B-AC53-A8374AA97E4C}"/>
                 </a:ext>
                 <a:ext uri="{C183D7F6-B498-43B3-948B-1728B52AA6E4}">
-                  <adec:decorative xmlns="" xmlns:adec="http://schemas.microsoft.com/office/drawing/2017/decorative" val="1"/>
+                  <adec:decorative xmlns:adec="http://schemas.microsoft.com/office/drawing/2017/decorative" xmlns="" val="1"/>
                 </a:ext>
               </a:extLst>
             </p:cNvPr>
@@ -19664,7 +19664,7 @@
                   <a16:creationId xmlns:a16="http://schemas.microsoft.com/office/drawing/2014/main" id="{85743F8F-79CE-483D-884E-4737026CEAFB}"/>
                 </a:ext>
                 <a:ext uri="{C183D7F6-B498-43B3-948B-1728B52AA6E4}">
-                  <adec:decorative xmlns="" xmlns:adec="http://schemas.microsoft.com/office/drawing/2017/decorative" val="1"/>
+                  <adec:decorative xmlns:adec="http://schemas.microsoft.com/office/drawing/2017/decorative" xmlns="" val="1"/>
                 </a:ext>
               </a:extLst>
             </p:cNvPr>
@@ -19719,7 +19719,7 @@
                   <a16:creationId xmlns:a16="http://schemas.microsoft.com/office/drawing/2014/main" id="{A5687DE6-BF15-4C4D-A34A-43FE9DF281CB}"/>
                 </a:ext>
                 <a:ext uri="{C183D7F6-B498-43B3-948B-1728B52AA6E4}">
-                  <adec:decorative xmlns="" xmlns:adec="http://schemas.microsoft.com/office/drawing/2017/decorative" val="1"/>
+                  <adec:decorative xmlns:adec="http://schemas.microsoft.com/office/drawing/2017/decorative" xmlns="" val="1"/>
                 </a:ext>
               </a:extLst>
             </p:cNvPr>
@@ -19774,7 +19774,7 @@
                   <a16:creationId xmlns:a16="http://schemas.microsoft.com/office/drawing/2014/main" id="{80C30A15-74C6-479D-9415-BD3A15509BC2}"/>
                 </a:ext>
                 <a:ext uri="{C183D7F6-B498-43B3-948B-1728B52AA6E4}">
-                  <adec:decorative xmlns="" xmlns:adec="http://schemas.microsoft.com/office/drawing/2017/decorative" val="1"/>
+                  <adec:decorative xmlns:adec="http://schemas.microsoft.com/office/drawing/2017/decorative" xmlns="" val="1"/>
                 </a:ext>
               </a:extLst>
             </p:cNvPr>
@@ -19829,7 +19829,7 @@
                   <a16:creationId xmlns:a16="http://schemas.microsoft.com/office/drawing/2014/main" id="{F39D2221-2473-4D0C-867E-15E42CEDACA5}"/>
                 </a:ext>
                 <a:ext uri="{C183D7F6-B498-43B3-948B-1728B52AA6E4}">
-                  <adec:decorative xmlns="" xmlns:adec="http://schemas.microsoft.com/office/drawing/2017/decorative" val="1"/>
+                  <adec:decorative xmlns:adec="http://schemas.microsoft.com/office/drawing/2017/decorative" xmlns="" val="1"/>
                 </a:ext>
               </a:extLst>
             </p:cNvPr>
@@ -19884,7 +19884,7 @@
                   <a16:creationId xmlns:a16="http://schemas.microsoft.com/office/drawing/2014/main" id="{A37B0AC9-52B2-49AE-B9F4-5130967F95D1}"/>
                 </a:ext>
                 <a:ext uri="{C183D7F6-B498-43B3-948B-1728B52AA6E4}">
-                  <adec:decorative xmlns="" xmlns:adec="http://schemas.microsoft.com/office/drawing/2017/decorative" val="1"/>
+                  <adec:decorative xmlns:adec="http://schemas.microsoft.com/office/drawing/2017/decorative" xmlns="" val="1"/>
                 </a:ext>
               </a:extLst>
             </p:cNvPr>
@@ -19939,7 +19939,7 @@
                   <a16:creationId xmlns:a16="http://schemas.microsoft.com/office/drawing/2014/main" id="{0DA4F0D5-4E38-4439-957C-14C7B2C44B90}"/>
                 </a:ext>
                 <a:ext uri="{C183D7F6-B498-43B3-948B-1728B52AA6E4}">
-                  <adec:decorative xmlns="" xmlns:adec="http://schemas.microsoft.com/office/drawing/2017/decorative" val="1"/>
+                  <adec:decorative xmlns:adec="http://schemas.microsoft.com/office/drawing/2017/decorative" xmlns="" val="1"/>
                 </a:ext>
               </a:extLst>
             </p:cNvPr>
@@ -19994,7 +19994,7 @@
                   <a16:creationId xmlns:a16="http://schemas.microsoft.com/office/drawing/2014/main" id="{231DB7A2-5177-4E09-ACE9-15F56E7A0290}"/>
                 </a:ext>
                 <a:ext uri="{C183D7F6-B498-43B3-948B-1728B52AA6E4}">
-                  <adec:decorative xmlns="" xmlns:adec="http://schemas.microsoft.com/office/drawing/2017/decorative" val="1"/>
+                  <adec:decorative xmlns:adec="http://schemas.microsoft.com/office/drawing/2017/decorative" xmlns="" val="1"/>
                 </a:ext>
               </a:extLst>
             </p:cNvPr>
@@ -20049,7 +20049,7 @@
                   <a16:creationId xmlns:a16="http://schemas.microsoft.com/office/drawing/2014/main" id="{BF7AF76B-566E-437B-9B3D-C6061B789AB8}"/>
                 </a:ext>
                 <a:ext uri="{C183D7F6-B498-43B3-948B-1728B52AA6E4}">
-                  <adec:decorative xmlns="" xmlns:adec="http://schemas.microsoft.com/office/drawing/2017/decorative" val="1"/>
+                  <adec:decorative xmlns:adec="http://schemas.microsoft.com/office/drawing/2017/decorative" xmlns="" val="1"/>
                 </a:ext>
               </a:extLst>
             </p:cNvPr>
@@ -20104,7 +20104,7 @@
                   <a16:creationId xmlns:a16="http://schemas.microsoft.com/office/drawing/2014/main" id="{80CCD94C-5468-4E4D-83E1-087C30B101B4}"/>
                 </a:ext>
                 <a:ext uri="{C183D7F6-B498-43B3-948B-1728B52AA6E4}">
-                  <adec:decorative xmlns="" xmlns:adec="http://schemas.microsoft.com/office/drawing/2017/decorative" val="1"/>
+                  <adec:decorative xmlns:adec="http://schemas.microsoft.com/office/drawing/2017/decorative" xmlns="" val="1"/>
                 </a:ext>
               </a:extLst>
             </p:cNvPr>
@@ -20159,7 +20159,7 @@
                   <a16:creationId xmlns:a16="http://schemas.microsoft.com/office/drawing/2014/main" id="{F7DE3320-D7F0-4B34-979B-D695DA263419}"/>
                 </a:ext>
                 <a:ext uri="{C183D7F6-B498-43B3-948B-1728B52AA6E4}">
-                  <adec:decorative xmlns="" xmlns:adec="http://schemas.microsoft.com/office/drawing/2017/decorative" val="1"/>
+                  <adec:decorative xmlns:adec="http://schemas.microsoft.com/office/drawing/2017/decorative" xmlns="" val="1"/>
                 </a:ext>
               </a:extLst>
             </p:cNvPr>
@@ -20214,7 +20214,7 @@
                   <a16:creationId xmlns:a16="http://schemas.microsoft.com/office/drawing/2014/main" id="{1961C1D5-CC28-4E56-8667-F195AC96C8D0}"/>
                 </a:ext>
                 <a:ext uri="{C183D7F6-B498-43B3-948B-1728B52AA6E4}">
-                  <adec:decorative xmlns="" xmlns:adec="http://schemas.microsoft.com/office/drawing/2017/decorative" val="1"/>
+                  <adec:decorative xmlns:adec="http://schemas.microsoft.com/office/drawing/2017/decorative" xmlns="" val="1"/>
                 </a:ext>
               </a:extLst>
             </p:cNvPr>
@@ -20269,7 +20269,7 @@
                   <a16:creationId xmlns:a16="http://schemas.microsoft.com/office/drawing/2014/main" id="{F8B42B07-3D51-413F-9B94-05C76898296F}"/>
                 </a:ext>
                 <a:ext uri="{C183D7F6-B498-43B3-948B-1728B52AA6E4}">
-                  <adec:decorative xmlns="" xmlns:adec="http://schemas.microsoft.com/office/drawing/2017/decorative" val="1"/>
+                  <adec:decorative xmlns:adec="http://schemas.microsoft.com/office/drawing/2017/decorative" xmlns="" val="1"/>
                 </a:ext>
               </a:extLst>
             </p:cNvPr>
@@ -20324,7 +20324,7 @@
                   <a16:creationId xmlns:a16="http://schemas.microsoft.com/office/drawing/2014/main" id="{F4D497D7-863D-4842-99B7-A1B3711A97D1}"/>
                 </a:ext>
                 <a:ext uri="{C183D7F6-B498-43B3-948B-1728B52AA6E4}">
-                  <adec:decorative xmlns="" xmlns:adec="http://schemas.microsoft.com/office/drawing/2017/decorative" val="1"/>
+                  <adec:decorative xmlns:adec="http://schemas.microsoft.com/office/drawing/2017/decorative" xmlns="" val="1"/>
                 </a:ext>
               </a:extLst>
             </p:cNvPr>
@@ -20379,7 +20379,7 @@
                   <a16:creationId xmlns:a16="http://schemas.microsoft.com/office/drawing/2014/main" id="{09017E5D-F3C5-4CE7-B844-A566DFB81BA9}"/>
                 </a:ext>
                 <a:ext uri="{C183D7F6-B498-43B3-948B-1728B52AA6E4}">
-                  <adec:decorative xmlns="" xmlns:adec="http://schemas.microsoft.com/office/drawing/2017/decorative" val="1"/>
+                  <adec:decorative xmlns:adec="http://schemas.microsoft.com/office/drawing/2017/decorative" xmlns="" val="1"/>
                 </a:ext>
               </a:extLst>
             </p:cNvPr>
@@ -20434,7 +20434,7 @@
                   <a16:creationId xmlns:a16="http://schemas.microsoft.com/office/drawing/2014/main" id="{24CC2EB5-F3D5-40B2-B140-F5A643C3A303}"/>
                 </a:ext>
                 <a:ext uri="{C183D7F6-B498-43B3-948B-1728B52AA6E4}">
-                  <adec:decorative xmlns="" xmlns:adec="http://schemas.microsoft.com/office/drawing/2017/decorative" val="1"/>
+                  <adec:decorative xmlns:adec="http://schemas.microsoft.com/office/drawing/2017/decorative" xmlns="" val="1"/>
                 </a:ext>
               </a:extLst>
             </p:cNvPr>
@@ -20489,7 +20489,7 @@
                   <a16:creationId xmlns:a16="http://schemas.microsoft.com/office/drawing/2014/main" id="{10C7D98B-0230-4C73-9AFC-BF783AAC5C42}"/>
                 </a:ext>
                 <a:ext uri="{C183D7F6-B498-43B3-948B-1728B52AA6E4}">
-                  <adec:decorative xmlns="" xmlns:adec="http://schemas.microsoft.com/office/drawing/2017/decorative" val="1"/>
+                  <adec:decorative xmlns:adec="http://schemas.microsoft.com/office/drawing/2017/decorative" xmlns="" val="1"/>
                 </a:ext>
               </a:extLst>
             </p:cNvPr>
@@ -20626,7 +20626,7 @@
                 <a16:creationId xmlns:a16="http://schemas.microsoft.com/office/drawing/2014/main" id="{1B82D339-163C-4586-A620-52BB056E6E69}"/>
               </a:ext>
               <a:ext uri="{C183D7F6-B498-43B3-948B-1728B52AA6E4}">
-                <adec:decorative xmlns="" xmlns:adec="http://schemas.microsoft.com/office/drawing/2017/decorative" val="1"/>
+                <adec:decorative xmlns:adec="http://schemas.microsoft.com/office/drawing/2017/decorative" xmlns="" val="1"/>
               </a:ext>
             </a:extLst>
           </p:cNvPr>
@@ -23031,20 +23031,8 @@
           <a:lstStyle/>
           <a:p>
             <a:r>
-              <a:rPr kumimoji="1" lang="ja-JP" altLang="en-US" dirty="0" smtClean="0"/>
-              <a:t>引数の種類</a:t>
-            </a:r>
-            <a:r>
-              <a:rPr kumimoji="1" lang="en-US" altLang="ja-JP" dirty="0" smtClean="0"/>
-              <a:t>(</a:t>
-            </a:r>
-            <a:r>
-              <a:rPr kumimoji="1" lang="ja-JP" altLang="en-US" dirty="0" smtClean="0"/>
-              <a:t>デフォルト引数</a:t>
-            </a:r>
-            <a:r>
-              <a:rPr kumimoji="1" lang="en-US" altLang="ja-JP" dirty="0" smtClean="0"/>
-              <a:t>)</a:t>
+              <a:rPr kumimoji="1" lang="ja-JP" altLang="en-US" dirty="0"/>
+              <a:t>練習問題</a:t>
             </a:r>
             <a:endParaRPr kumimoji="1" lang="ja-JP" altLang="en-US" dirty="0"/>
           </a:p>
@@ -23064,8 +23052,8 @@
         </p:nvSpPr>
         <p:spPr>
           <a:xfrm>
-            <a:off x="2119542" y="1559927"/>
-            <a:ext cx="8010668" cy="799938"/>
+            <a:off x="1752279" y="1353665"/>
+            <a:ext cx="8745193" cy="799938"/>
           </a:xfrm>
           <a:prstGeom prst="roundRect">
             <a:avLst/>
@@ -23093,14 +23081,13 @@
           <a:p>
             <a:pPr algn="ctr"/>
             <a:r>
-              <a:rPr lang="ja-JP" altLang="en-US" sz="2400" b="1" dirty="0">
+              <a:rPr lang="ja-JP" altLang="en-US" sz="2400" b="1" dirty="0" smtClean="0">
                 <a:solidFill>
                   <a:schemeClr val="bg1"/>
                 </a:solidFill>
-                <a:latin typeface="Yu Gothic" panose="020B0400000000000000" pitchFamily="50" charset="-128"/>
-                <a:ea typeface="Yu Gothic" panose="020B0400000000000000" pitchFamily="50" charset="-128"/>
-              </a:rPr>
-              <a:t>引数に代入した形で関数を呼び出す</a:t>
+                <a:ea typeface="Yu Gothic"/>
+              </a:rPr>
+              <a:t>各クラスの平均値を求めるプログラムを作成してみましょう</a:t>
             </a:r>
             <a:endParaRPr lang="ja-JP" sz="2400" b="1" dirty="0">
               <a:solidFill>
@@ -23113,970 +23100,14 @@
       </p:sp>
       <p:sp>
         <p:nvSpPr>
-          <p:cNvPr id="7" name="正方形/長方形 6"/>
+          <p:cNvPr id="8" name="正方形/長方形 7"/>
           <p:cNvSpPr/>
           <p:nvPr/>
         </p:nvSpPr>
         <p:spPr>
           <a:xfrm>
-            <a:off x="1156751" y="2486865"/>
-            <a:ext cx="9936250" cy="4213333"/>
-          </a:xfrm>
-          <a:prstGeom prst="rect">
-            <a:avLst/>
-          </a:prstGeom>
-        </p:spPr>
-        <p:style>
-          <a:lnRef idx="2">
-            <a:schemeClr val="dk1">
-              <a:shade val="50000"/>
-            </a:schemeClr>
-          </a:lnRef>
-          <a:fillRef idx="1">
-            <a:schemeClr val="dk1"/>
-          </a:fillRef>
-          <a:effectRef idx="0">
-            <a:schemeClr val="dk1"/>
-          </a:effectRef>
-          <a:fontRef idx="minor">
-            <a:schemeClr val="lt1"/>
-          </a:fontRef>
-        </p:style>
-        <p:txBody>
-          <a:bodyPr rtlCol="0" anchor="t"/>
-          <a:lstStyle/>
-          <a:p>
-            <a:r>
-              <a:rPr lang="en-US" altLang="ja-JP" dirty="0" smtClean="0">
-                <a:solidFill>
-                  <a:srgbClr val="6A9955"/>
-                </a:solidFill>
-                <a:latin typeface="Consolas" panose="020B0609020204030204" pitchFamily="49" charset="0"/>
-              </a:rPr>
-              <a:t>#</a:t>
-            </a:r>
-            <a:r>
-              <a:rPr lang="ja-JP" altLang="en-US" dirty="0" smtClean="0">
-                <a:solidFill>
-                  <a:srgbClr val="6A9955"/>
-                </a:solidFill>
-                <a:latin typeface="Consolas" panose="020B0609020204030204" pitchFamily="49" charset="0"/>
-              </a:rPr>
-              <a:t>キーワード引数を使用し、関数を呼び出す</a:t>
-            </a:r>
-            <a:r>
-              <a:rPr lang="en-US" altLang="ja-JP" dirty="0" smtClean="0">
-                <a:solidFill>
-                  <a:srgbClr val="6A9955"/>
-                </a:solidFill>
-                <a:latin typeface="Consolas" panose="020B0609020204030204" pitchFamily="49" charset="0"/>
-              </a:rPr>
-              <a:t>(keyword_arguments.py)</a:t>
-            </a:r>
-            <a:endParaRPr lang="en-US" altLang="ja-JP" dirty="0">
-              <a:solidFill>
-                <a:srgbClr val="9CDCFE"/>
-              </a:solidFill>
-              <a:latin typeface="Consolas" panose="020B0609020204030204" pitchFamily="49" charset="0"/>
-            </a:endParaRPr>
-          </a:p>
-          <a:p>
-            <a:r>
-              <a:rPr lang="en-US" altLang="ja-JP" dirty="0" err="1">
-                <a:solidFill>
-                  <a:srgbClr val="569CD6"/>
-                </a:solidFill>
-                <a:latin typeface="Consolas" panose="020B0609020204030204" pitchFamily="49" charset="0"/>
-              </a:rPr>
-              <a:t>def</a:t>
-            </a:r>
-            <a:r>
-              <a:rPr lang="ja-JP" altLang="en-US" dirty="0">
-                <a:solidFill>
-                  <a:srgbClr val="D4D4D4"/>
-                </a:solidFill>
-                <a:latin typeface="Consolas" panose="020B0609020204030204" pitchFamily="49" charset="0"/>
-              </a:rPr>
-              <a:t> </a:t>
-            </a:r>
-            <a:r>
-              <a:rPr lang="en-US" altLang="ja-JP" dirty="0" err="1">
-                <a:solidFill>
-                  <a:srgbClr val="DCDCAA"/>
-                </a:solidFill>
-                <a:latin typeface="Consolas" panose="020B0609020204030204" pitchFamily="49" charset="0"/>
-              </a:rPr>
-              <a:t>dinner_menu</a:t>
-            </a:r>
-            <a:r>
-              <a:rPr lang="en-US" altLang="ja-JP" dirty="0">
-                <a:solidFill>
-                  <a:srgbClr val="D4D4D4"/>
-                </a:solidFill>
-                <a:latin typeface="Consolas" panose="020B0609020204030204" pitchFamily="49" charset="0"/>
-              </a:rPr>
-              <a:t>(</a:t>
-            </a:r>
-            <a:r>
-              <a:rPr lang="en-US" altLang="ja-JP" dirty="0">
-                <a:solidFill>
-                  <a:srgbClr val="9CDCFE"/>
-                </a:solidFill>
-                <a:latin typeface="Consolas" panose="020B0609020204030204" pitchFamily="49" charset="0"/>
-              </a:rPr>
-              <a:t>food</a:t>
-            </a:r>
-            <a:r>
-              <a:rPr lang="en-US" altLang="ja-JP" dirty="0">
-                <a:solidFill>
-                  <a:srgbClr val="D4D4D4"/>
-                </a:solidFill>
-                <a:latin typeface="Consolas" panose="020B0609020204030204" pitchFamily="49" charset="0"/>
-              </a:rPr>
-              <a:t>=</a:t>
-            </a:r>
-            <a:r>
-              <a:rPr lang="en-US" altLang="ja-JP" dirty="0">
-                <a:solidFill>
-                  <a:srgbClr val="CE9178"/>
-                </a:solidFill>
-                <a:latin typeface="Consolas" panose="020B0609020204030204" pitchFamily="49" charset="0"/>
-              </a:rPr>
-              <a:t>"</a:t>
-            </a:r>
-            <a:r>
-              <a:rPr lang="ja-JP" altLang="en-US" dirty="0">
-                <a:solidFill>
-                  <a:srgbClr val="CE9178"/>
-                </a:solidFill>
-                <a:latin typeface="Consolas" panose="020B0609020204030204" pitchFamily="49" charset="0"/>
-              </a:rPr>
-              <a:t>ハンバーグ</a:t>
-            </a:r>
-            <a:r>
-              <a:rPr lang="en-US" altLang="ja-JP" dirty="0">
-                <a:solidFill>
-                  <a:srgbClr val="CE9178"/>
-                </a:solidFill>
-                <a:latin typeface="Consolas" panose="020B0609020204030204" pitchFamily="49" charset="0"/>
-              </a:rPr>
-              <a:t>"</a:t>
-            </a:r>
-            <a:r>
-              <a:rPr lang="en-US" altLang="ja-JP" dirty="0">
-                <a:solidFill>
-                  <a:srgbClr val="D4D4D4"/>
-                </a:solidFill>
-                <a:latin typeface="Consolas" panose="020B0609020204030204" pitchFamily="49" charset="0"/>
-              </a:rPr>
-              <a:t>, </a:t>
-            </a:r>
-            <a:r>
-              <a:rPr lang="en-US" altLang="ja-JP" dirty="0">
-                <a:solidFill>
-                  <a:srgbClr val="9CDCFE"/>
-                </a:solidFill>
-                <a:latin typeface="Consolas" panose="020B0609020204030204" pitchFamily="49" charset="0"/>
-              </a:rPr>
-              <a:t>drink</a:t>
-            </a:r>
-            <a:r>
-              <a:rPr lang="en-US" altLang="ja-JP" dirty="0">
-                <a:solidFill>
-                  <a:srgbClr val="D4D4D4"/>
-                </a:solidFill>
-                <a:latin typeface="Consolas" panose="020B0609020204030204" pitchFamily="49" charset="0"/>
-              </a:rPr>
-              <a:t>=</a:t>
-            </a:r>
-            <a:r>
-              <a:rPr lang="en-US" altLang="ja-JP" dirty="0">
-                <a:solidFill>
-                  <a:srgbClr val="CE9178"/>
-                </a:solidFill>
-                <a:latin typeface="Consolas" panose="020B0609020204030204" pitchFamily="49" charset="0"/>
-              </a:rPr>
-              <a:t>"</a:t>
-            </a:r>
-            <a:r>
-              <a:rPr lang="ja-JP" altLang="en-US" dirty="0">
-                <a:solidFill>
-                  <a:srgbClr val="CE9178"/>
-                </a:solidFill>
-                <a:latin typeface="Consolas" panose="020B0609020204030204" pitchFamily="49" charset="0"/>
-              </a:rPr>
-              <a:t>赤ワイン</a:t>
-            </a:r>
-            <a:r>
-              <a:rPr lang="en-US" altLang="ja-JP" dirty="0">
-                <a:solidFill>
-                  <a:srgbClr val="CE9178"/>
-                </a:solidFill>
-                <a:latin typeface="Consolas" panose="020B0609020204030204" pitchFamily="49" charset="0"/>
-              </a:rPr>
-              <a:t>"</a:t>
-            </a:r>
-            <a:r>
-              <a:rPr lang="en-US" altLang="ja-JP" dirty="0">
-                <a:solidFill>
-                  <a:srgbClr val="D4D4D4"/>
-                </a:solidFill>
-                <a:latin typeface="Consolas" panose="020B0609020204030204" pitchFamily="49" charset="0"/>
-              </a:rPr>
-              <a:t>, </a:t>
-            </a:r>
-            <a:r>
-              <a:rPr lang="en-US" altLang="ja-JP" dirty="0">
-                <a:solidFill>
-                  <a:srgbClr val="9CDCFE"/>
-                </a:solidFill>
-                <a:latin typeface="Consolas" panose="020B0609020204030204" pitchFamily="49" charset="0"/>
-              </a:rPr>
-              <a:t>dessert</a:t>
-            </a:r>
-            <a:r>
-              <a:rPr lang="en-US" altLang="ja-JP" dirty="0">
-                <a:solidFill>
-                  <a:srgbClr val="D4D4D4"/>
-                </a:solidFill>
-                <a:latin typeface="Consolas" panose="020B0609020204030204" pitchFamily="49" charset="0"/>
-              </a:rPr>
-              <a:t>=</a:t>
-            </a:r>
-            <a:r>
-              <a:rPr lang="en-US" altLang="ja-JP" dirty="0">
-                <a:solidFill>
-                  <a:srgbClr val="CE9178"/>
-                </a:solidFill>
-                <a:latin typeface="Consolas" panose="020B0609020204030204" pitchFamily="49" charset="0"/>
-              </a:rPr>
-              <a:t>"</a:t>
-            </a:r>
-            <a:r>
-              <a:rPr lang="ja-JP" altLang="en-US" dirty="0">
-                <a:solidFill>
-                  <a:srgbClr val="CE9178"/>
-                </a:solidFill>
-                <a:latin typeface="Consolas" panose="020B0609020204030204" pitchFamily="49" charset="0"/>
-              </a:rPr>
-              <a:t>アイスクリーム</a:t>
-            </a:r>
-            <a:r>
-              <a:rPr lang="en-US" altLang="ja-JP" dirty="0">
-                <a:solidFill>
-                  <a:srgbClr val="CE9178"/>
-                </a:solidFill>
-                <a:latin typeface="Consolas" panose="020B0609020204030204" pitchFamily="49" charset="0"/>
-              </a:rPr>
-              <a:t>"</a:t>
-            </a:r>
-            <a:r>
-              <a:rPr lang="en-US" altLang="ja-JP" dirty="0">
-                <a:solidFill>
-                  <a:srgbClr val="D4D4D4"/>
-                </a:solidFill>
-                <a:latin typeface="Consolas" panose="020B0609020204030204" pitchFamily="49" charset="0"/>
-              </a:rPr>
-              <a:t>):</a:t>
-            </a:r>
-          </a:p>
-          <a:p>
-            <a:r>
-              <a:rPr lang="en-US" altLang="ja-JP" dirty="0">
-                <a:solidFill>
-                  <a:srgbClr val="D4D4D4"/>
-                </a:solidFill>
-                <a:latin typeface="Consolas" panose="020B0609020204030204" pitchFamily="49" charset="0"/>
-              </a:rPr>
-              <a:t>    </a:t>
-            </a:r>
-            <a:r>
-              <a:rPr lang="en-US" altLang="ja-JP" dirty="0">
-                <a:solidFill>
-                  <a:srgbClr val="DCDCAA"/>
-                </a:solidFill>
-                <a:latin typeface="Consolas" panose="020B0609020204030204" pitchFamily="49" charset="0"/>
-              </a:rPr>
-              <a:t>print</a:t>
-            </a:r>
-            <a:r>
-              <a:rPr lang="en-US" altLang="ja-JP" dirty="0">
-                <a:solidFill>
-                  <a:srgbClr val="D4D4D4"/>
-                </a:solidFill>
-                <a:latin typeface="Consolas" panose="020B0609020204030204" pitchFamily="49" charset="0"/>
-              </a:rPr>
-              <a:t>(</a:t>
-            </a:r>
-            <a:r>
-              <a:rPr lang="en-US" altLang="ja-JP" dirty="0">
-                <a:solidFill>
-                  <a:srgbClr val="CE9178"/>
-                </a:solidFill>
-                <a:latin typeface="Consolas" panose="020B0609020204030204" pitchFamily="49" charset="0"/>
-              </a:rPr>
-              <a:t>"</a:t>
-            </a:r>
-            <a:r>
-              <a:rPr lang="ja-JP" altLang="en-US" dirty="0">
-                <a:solidFill>
-                  <a:srgbClr val="CE9178"/>
-                </a:solidFill>
-                <a:latin typeface="Consolas" panose="020B0609020204030204" pitchFamily="49" charset="0"/>
-              </a:rPr>
-              <a:t>夕食は</a:t>
-            </a:r>
-            <a:r>
-              <a:rPr lang="en-US" altLang="ja-JP" dirty="0">
-                <a:solidFill>
-                  <a:srgbClr val="CE9178"/>
-                </a:solidFill>
-                <a:latin typeface="Consolas" panose="020B0609020204030204" pitchFamily="49" charset="0"/>
-              </a:rPr>
-              <a:t>"</a:t>
-            </a:r>
-            <a:r>
-              <a:rPr lang="ja-JP" altLang="en-US" dirty="0">
-                <a:solidFill>
-                  <a:srgbClr val="D4D4D4"/>
-                </a:solidFill>
-                <a:latin typeface="Consolas" panose="020B0609020204030204" pitchFamily="49" charset="0"/>
-              </a:rPr>
-              <a:t> </a:t>
-            </a:r>
-            <a:r>
-              <a:rPr lang="en-US" altLang="ja-JP" dirty="0">
-                <a:solidFill>
-                  <a:srgbClr val="D4D4D4"/>
-                </a:solidFill>
-                <a:latin typeface="Consolas" panose="020B0609020204030204" pitchFamily="49" charset="0"/>
-              </a:rPr>
-              <a:t>+ </a:t>
-            </a:r>
-            <a:r>
-              <a:rPr lang="en-US" altLang="ja-JP" dirty="0">
-                <a:solidFill>
-                  <a:srgbClr val="9CDCFE"/>
-                </a:solidFill>
-                <a:latin typeface="Consolas" panose="020B0609020204030204" pitchFamily="49" charset="0"/>
-              </a:rPr>
-              <a:t>food</a:t>
-            </a:r>
-            <a:r>
-              <a:rPr lang="ja-JP" altLang="en-US" dirty="0">
-                <a:solidFill>
-                  <a:srgbClr val="D4D4D4"/>
-                </a:solidFill>
-                <a:latin typeface="Consolas" panose="020B0609020204030204" pitchFamily="49" charset="0"/>
-              </a:rPr>
-              <a:t> </a:t>
-            </a:r>
-            <a:r>
-              <a:rPr lang="en-US" altLang="ja-JP" dirty="0">
-                <a:solidFill>
-                  <a:srgbClr val="D4D4D4"/>
-                </a:solidFill>
-                <a:latin typeface="Consolas" panose="020B0609020204030204" pitchFamily="49" charset="0"/>
-              </a:rPr>
-              <a:t>+ </a:t>
-            </a:r>
-            <a:r>
-              <a:rPr lang="en-US" altLang="ja-JP" dirty="0">
-                <a:solidFill>
-                  <a:srgbClr val="CE9178"/>
-                </a:solidFill>
-                <a:latin typeface="Consolas" panose="020B0609020204030204" pitchFamily="49" charset="0"/>
-              </a:rPr>
-              <a:t>"</a:t>
-            </a:r>
-            <a:r>
-              <a:rPr lang="ja-JP" altLang="en-US" dirty="0">
-                <a:solidFill>
-                  <a:srgbClr val="CE9178"/>
-                </a:solidFill>
-                <a:latin typeface="Consolas" panose="020B0609020204030204" pitchFamily="49" charset="0"/>
-              </a:rPr>
-              <a:t>を用意しています。</a:t>
-            </a:r>
-            <a:r>
-              <a:rPr lang="en-US" altLang="ja-JP" dirty="0">
-                <a:solidFill>
-                  <a:srgbClr val="CE9178"/>
-                </a:solidFill>
-                <a:latin typeface="Consolas" panose="020B0609020204030204" pitchFamily="49" charset="0"/>
-              </a:rPr>
-              <a:t>"</a:t>
-            </a:r>
-            <a:r>
-              <a:rPr lang="en-US" altLang="ja-JP" dirty="0">
-                <a:solidFill>
-                  <a:srgbClr val="D4D4D4"/>
-                </a:solidFill>
-                <a:latin typeface="Consolas" panose="020B0609020204030204" pitchFamily="49" charset="0"/>
-              </a:rPr>
-              <a:t>)</a:t>
-            </a:r>
-          </a:p>
-          <a:p>
-            <a:r>
-              <a:rPr lang="en-US" altLang="ja-JP" dirty="0">
-                <a:solidFill>
-                  <a:srgbClr val="D4D4D4"/>
-                </a:solidFill>
-                <a:latin typeface="Consolas" panose="020B0609020204030204" pitchFamily="49" charset="0"/>
-              </a:rPr>
-              <a:t>    </a:t>
-            </a:r>
-            <a:r>
-              <a:rPr lang="en-US" altLang="ja-JP" dirty="0">
-                <a:solidFill>
-                  <a:srgbClr val="DCDCAA"/>
-                </a:solidFill>
-                <a:latin typeface="Consolas" panose="020B0609020204030204" pitchFamily="49" charset="0"/>
-              </a:rPr>
-              <a:t>print</a:t>
-            </a:r>
-            <a:r>
-              <a:rPr lang="en-US" altLang="ja-JP" dirty="0">
-                <a:solidFill>
-                  <a:srgbClr val="D4D4D4"/>
-                </a:solidFill>
-                <a:latin typeface="Consolas" panose="020B0609020204030204" pitchFamily="49" charset="0"/>
-              </a:rPr>
-              <a:t>(</a:t>
-            </a:r>
-            <a:r>
-              <a:rPr lang="en-US" altLang="ja-JP" dirty="0">
-                <a:solidFill>
-                  <a:srgbClr val="CE9178"/>
-                </a:solidFill>
-                <a:latin typeface="Consolas" panose="020B0609020204030204" pitchFamily="49" charset="0"/>
-              </a:rPr>
-              <a:t>"</a:t>
-            </a:r>
-            <a:r>
-              <a:rPr lang="ja-JP" altLang="en-US" dirty="0">
-                <a:solidFill>
-                  <a:srgbClr val="CE9178"/>
-                </a:solidFill>
-                <a:latin typeface="Consolas" panose="020B0609020204030204" pitchFamily="49" charset="0"/>
-              </a:rPr>
-              <a:t>飲み物は</a:t>
-            </a:r>
-            <a:r>
-              <a:rPr lang="en-US" altLang="ja-JP" dirty="0">
-                <a:solidFill>
-                  <a:srgbClr val="CE9178"/>
-                </a:solidFill>
-                <a:latin typeface="Consolas" panose="020B0609020204030204" pitchFamily="49" charset="0"/>
-              </a:rPr>
-              <a:t>"</a:t>
-            </a:r>
-            <a:r>
-              <a:rPr lang="ja-JP" altLang="en-US" dirty="0">
-                <a:solidFill>
-                  <a:srgbClr val="D4D4D4"/>
-                </a:solidFill>
-                <a:latin typeface="Consolas" panose="020B0609020204030204" pitchFamily="49" charset="0"/>
-              </a:rPr>
-              <a:t> </a:t>
-            </a:r>
-            <a:r>
-              <a:rPr lang="en-US" altLang="ja-JP" dirty="0">
-                <a:solidFill>
-                  <a:srgbClr val="D4D4D4"/>
-                </a:solidFill>
-                <a:latin typeface="Consolas" panose="020B0609020204030204" pitchFamily="49" charset="0"/>
-              </a:rPr>
-              <a:t>+ </a:t>
-            </a:r>
-            <a:r>
-              <a:rPr lang="en-US" altLang="ja-JP" dirty="0">
-                <a:solidFill>
-                  <a:srgbClr val="9CDCFE"/>
-                </a:solidFill>
-                <a:latin typeface="Consolas" panose="020B0609020204030204" pitchFamily="49" charset="0"/>
-              </a:rPr>
-              <a:t>drink</a:t>
-            </a:r>
-            <a:r>
-              <a:rPr lang="ja-JP" altLang="en-US" dirty="0">
-                <a:solidFill>
-                  <a:srgbClr val="D4D4D4"/>
-                </a:solidFill>
-                <a:latin typeface="Consolas" panose="020B0609020204030204" pitchFamily="49" charset="0"/>
-              </a:rPr>
-              <a:t> </a:t>
-            </a:r>
-            <a:r>
-              <a:rPr lang="en-US" altLang="ja-JP" dirty="0">
-                <a:solidFill>
-                  <a:srgbClr val="D4D4D4"/>
-                </a:solidFill>
-                <a:latin typeface="Consolas" panose="020B0609020204030204" pitchFamily="49" charset="0"/>
-              </a:rPr>
-              <a:t>+ </a:t>
-            </a:r>
-            <a:r>
-              <a:rPr lang="en-US" altLang="ja-JP" dirty="0">
-                <a:solidFill>
-                  <a:srgbClr val="CE9178"/>
-                </a:solidFill>
-                <a:latin typeface="Consolas" panose="020B0609020204030204" pitchFamily="49" charset="0"/>
-              </a:rPr>
-              <a:t>"</a:t>
-            </a:r>
-            <a:r>
-              <a:rPr lang="ja-JP" altLang="en-US" dirty="0">
-                <a:solidFill>
-                  <a:srgbClr val="CE9178"/>
-                </a:solidFill>
-                <a:latin typeface="Consolas" panose="020B0609020204030204" pitchFamily="49" charset="0"/>
-              </a:rPr>
-              <a:t>をおすすめします。</a:t>
-            </a:r>
-            <a:r>
-              <a:rPr lang="en-US" altLang="ja-JP" dirty="0">
-                <a:solidFill>
-                  <a:srgbClr val="CE9178"/>
-                </a:solidFill>
-                <a:latin typeface="Consolas" panose="020B0609020204030204" pitchFamily="49" charset="0"/>
-              </a:rPr>
-              <a:t>"</a:t>
-            </a:r>
-            <a:r>
-              <a:rPr lang="en-US" altLang="ja-JP" dirty="0">
-                <a:solidFill>
-                  <a:srgbClr val="D4D4D4"/>
-                </a:solidFill>
-                <a:latin typeface="Consolas" panose="020B0609020204030204" pitchFamily="49" charset="0"/>
-              </a:rPr>
-              <a:t>)</a:t>
-            </a:r>
-          </a:p>
-          <a:p>
-            <a:r>
-              <a:rPr lang="en-US" altLang="ja-JP" dirty="0">
-                <a:solidFill>
-                  <a:srgbClr val="D4D4D4"/>
-                </a:solidFill>
-                <a:latin typeface="Consolas" panose="020B0609020204030204" pitchFamily="49" charset="0"/>
-              </a:rPr>
-              <a:t>    </a:t>
-            </a:r>
-            <a:r>
-              <a:rPr lang="en-US" altLang="ja-JP" dirty="0">
-                <a:solidFill>
-                  <a:srgbClr val="DCDCAA"/>
-                </a:solidFill>
-                <a:latin typeface="Consolas" panose="020B0609020204030204" pitchFamily="49" charset="0"/>
-              </a:rPr>
-              <a:t>print</a:t>
-            </a:r>
-            <a:r>
-              <a:rPr lang="en-US" altLang="ja-JP" dirty="0">
-                <a:solidFill>
-                  <a:srgbClr val="D4D4D4"/>
-                </a:solidFill>
-                <a:latin typeface="Consolas" panose="020B0609020204030204" pitchFamily="49" charset="0"/>
-              </a:rPr>
-              <a:t>(</a:t>
-            </a:r>
-            <a:r>
-              <a:rPr lang="en-US" altLang="ja-JP" dirty="0">
-                <a:solidFill>
-                  <a:srgbClr val="CE9178"/>
-                </a:solidFill>
-                <a:latin typeface="Consolas" panose="020B0609020204030204" pitchFamily="49" charset="0"/>
-              </a:rPr>
-              <a:t>"</a:t>
-            </a:r>
-            <a:r>
-              <a:rPr lang="ja-JP" altLang="en-US" dirty="0">
-                <a:solidFill>
-                  <a:srgbClr val="CE9178"/>
-                </a:solidFill>
-                <a:latin typeface="Consolas" panose="020B0609020204030204" pitchFamily="49" charset="0"/>
-              </a:rPr>
-              <a:t>デザートに</a:t>
-            </a:r>
-            <a:r>
-              <a:rPr lang="en-US" altLang="ja-JP" dirty="0">
-                <a:solidFill>
-                  <a:srgbClr val="CE9178"/>
-                </a:solidFill>
-                <a:latin typeface="Consolas" panose="020B0609020204030204" pitchFamily="49" charset="0"/>
-              </a:rPr>
-              <a:t>"</a:t>
-            </a:r>
-            <a:r>
-              <a:rPr lang="ja-JP" altLang="en-US" dirty="0">
-                <a:solidFill>
-                  <a:srgbClr val="D4D4D4"/>
-                </a:solidFill>
-                <a:latin typeface="Consolas" panose="020B0609020204030204" pitchFamily="49" charset="0"/>
-              </a:rPr>
-              <a:t> </a:t>
-            </a:r>
-            <a:r>
-              <a:rPr lang="en-US" altLang="ja-JP" dirty="0">
-                <a:solidFill>
-                  <a:srgbClr val="D4D4D4"/>
-                </a:solidFill>
-                <a:latin typeface="Consolas" panose="020B0609020204030204" pitchFamily="49" charset="0"/>
-              </a:rPr>
-              <a:t>+ </a:t>
-            </a:r>
-            <a:r>
-              <a:rPr lang="en-US" altLang="ja-JP" dirty="0">
-                <a:solidFill>
-                  <a:srgbClr val="9CDCFE"/>
-                </a:solidFill>
-                <a:latin typeface="Consolas" panose="020B0609020204030204" pitchFamily="49" charset="0"/>
-              </a:rPr>
-              <a:t>dessert</a:t>
-            </a:r>
-            <a:r>
-              <a:rPr lang="ja-JP" altLang="en-US" dirty="0">
-                <a:solidFill>
-                  <a:srgbClr val="D4D4D4"/>
-                </a:solidFill>
-                <a:latin typeface="Consolas" panose="020B0609020204030204" pitchFamily="49" charset="0"/>
-              </a:rPr>
-              <a:t> </a:t>
-            </a:r>
-            <a:r>
-              <a:rPr lang="en-US" altLang="ja-JP" dirty="0">
-                <a:solidFill>
-                  <a:srgbClr val="D4D4D4"/>
-                </a:solidFill>
-                <a:latin typeface="Consolas" panose="020B0609020204030204" pitchFamily="49" charset="0"/>
-              </a:rPr>
-              <a:t>+ </a:t>
-            </a:r>
-            <a:r>
-              <a:rPr lang="en-US" altLang="ja-JP" dirty="0">
-                <a:solidFill>
-                  <a:srgbClr val="CE9178"/>
-                </a:solidFill>
-                <a:latin typeface="Consolas" panose="020B0609020204030204" pitchFamily="49" charset="0"/>
-              </a:rPr>
-              <a:t>"</a:t>
-            </a:r>
-            <a:r>
-              <a:rPr lang="ja-JP" altLang="en-US" dirty="0">
-                <a:solidFill>
-                  <a:srgbClr val="CE9178"/>
-                </a:solidFill>
-                <a:latin typeface="Consolas" panose="020B0609020204030204" pitchFamily="49" charset="0"/>
-              </a:rPr>
-              <a:t>をどうぞ。</a:t>
-            </a:r>
-            <a:r>
-              <a:rPr lang="en-US" altLang="ja-JP" dirty="0">
-                <a:solidFill>
-                  <a:srgbClr val="CE9178"/>
-                </a:solidFill>
-                <a:latin typeface="Consolas" panose="020B0609020204030204" pitchFamily="49" charset="0"/>
-              </a:rPr>
-              <a:t>"</a:t>
-            </a:r>
-            <a:r>
-              <a:rPr lang="en-US" altLang="ja-JP" dirty="0">
-                <a:solidFill>
-                  <a:srgbClr val="D4D4D4"/>
-                </a:solidFill>
-                <a:latin typeface="Consolas" panose="020B0609020204030204" pitchFamily="49" charset="0"/>
-              </a:rPr>
-              <a:t>)</a:t>
-            </a:r>
-          </a:p>
-          <a:p>
-            <a:r>
-              <a:rPr lang="en-US" altLang="ja-JP" dirty="0">
-                <a:solidFill>
-                  <a:srgbClr val="D4D4D4"/>
-                </a:solidFill>
-                <a:latin typeface="Consolas" panose="020B0609020204030204" pitchFamily="49" charset="0"/>
-              </a:rPr>
-              <a:t/>
-            </a:r>
-            <a:br>
-              <a:rPr lang="en-US" altLang="ja-JP" dirty="0">
-                <a:solidFill>
-                  <a:srgbClr val="D4D4D4"/>
-                </a:solidFill>
-                <a:latin typeface="Consolas" panose="020B0609020204030204" pitchFamily="49" charset="0"/>
-              </a:rPr>
-            </a:br>
-            <a:r>
-              <a:rPr lang="en-US" altLang="ja-JP" dirty="0" err="1">
-                <a:solidFill>
-                  <a:srgbClr val="DCDCAA"/>
-                </a:solidFill>
-                <a:latin typeface="Consolas" panose="020B0609020204030204" pitchFamily="49" charset="0"/>
-              </a:rPr>
-              <a:t>dinner_menu</a:t>
-            </a:r>
-            <a:r>
-              <a:rPr lang="en-US" altLang="ja-JP" dirty="0" smtClean="0">
-                <a:solidFill>
-                  <a:srgbClr val="D4D4D4"/>
-                </a:solidFill>
-                <a:latin typeface="Consolas" panose="020B0609020204030204" pitchFamily="49" charset="0"/>
-              </a:rPr>
-              <a:t>()</a:t>
-            </a:r>
-          </a:p>
-          <a:p>
-            <a:endParaRPr lang="en-US" altLang="ja-JP" dirty="0" smtClean="0">
-              <a:solidFill>
-                <a:srgbClr val="D4D4D4"/>
-              </a:solidFill>
-              <a:latin typeface="Consolas" panose="020B0609020204030204" pitchFamily="49" charset="0"/>
-            </a:endParaRPr>
-          </a:p>
-          <a:p>
-            <a:endParaRPr lang="en-US" altLang="ja-JP" dirty="0">
-              <a:solidFill>
-                <a:srgbClr val="D4D4D4"/>
-              </a:solidFill>
-              <a:latin typeface="Consolas" panose="020B0609020204030204" pitchFamily="49" charset="0"/>
-            </a:endParaRPr>
-          </a:p>
-          <a:p>
-            <a:endParaRPr lang="en-US" altLang="ja-JP" dirty="0">
-              <a:solidFill>
-                <a:srgbClr val="D4D4D4"/>
-              </a:solidFill>
-              <a:latin typeface="Consolas" panose="020B0609020204030204" pitchFamily="49" charset="0"/>
-            </a:endParaRPr>
-          </a:p>
-          <a:p>
-            <a:r>
-              <a:rPr lang="en-US" altLang="ja-JP" dirty="0" err="1">
-                <a:solidFill>
-                  <a:srgbClr val="DCDCAA"/>
-                </a:solidFill>
-                <a:latin typeface="Consolas" panose="020B0609020204030204" pitchFamily="49" charset="0"/>
-              </a:rPr>
-              <a:t>dinner_menu</a:t>
-            </a:r>
-            <a:r>
-              <a:rPr lang="en-US" altLang="ja-JP" dirty="0">
-                <a:solidFill>
-                  <a:srgbClr val="D4D4D4"/>
-                </a:solidFill>
-                <a:latin typeface="Consolas" panose="020B0609020204030204" pitchFamily="49" charset="0"/>
-              </a:rPr>
-              <a:t>(</a:t>
-            </a:r>
-            <a:r>
-              <a:rPr lang="en-US" altLang="ja-JP" dirty="0">
-                <a:solidFill>
-                  <a:srgbClr val="CE9178"/>
-                </a:solidFill>
-                <a:latin typeface="Consolas" panose="020B0609020204030204" pitchFamily="49" charset="0"/>
-              </a:rPr>
-              <a:t>"</a:t>
-            </a:r>
-            <a:r>
-              <a:rPr lang="ja-JP" altLang="en-US" dirty="0">
-                <a:solidFill>
-                  <a:srgbClr val="CE9178"/>
-                </a:solidFill>
-                <a:latin typeface="Consolas" panose="020B0609020204030204" pitchFamily="49" charset="0"/>
-              </a:rPr>
-              <a:t>ステーキ</a:t>
-            </a:r>
-            <a:r>
-              <a:rPr lang="en-US" altLang="ja-JP" dirty="0">
-                <a:solidFill>
-                  <a:srgbClr val="CE9178"/>
-                </a:solidFill>
-                <a:latin typeface="Consolas" panose="020B0609020204030204" pitchFamily="49" charset="0"/>
-              </a:rPr>
-              <a:t>"</a:t>
-            </a:r>
-            <a:r>
-              <a:rPr lang="en-US" altLang="ja-JP" dirty="0">
-                <a:solidFill>
-                  <a:srgbClr val="D4D4D4"/>
-                </a:solidFill>
-                <a:latin typeface="Consolas" panose="020B0609020204030204" pitchFamily="49" charset="0"/>
-              </a:rPr>
-              <a:t>, </a:t>
-            </a:r>
-            <a:r>
-              <a:rPr lang="en-US" altLang="ja-JP" dirty="0">
-                <a:solidFill>
-                  <a:srgbClr val="9CDCFE"/>
-                </a:solidFill>
-                <a:latin typeface="Consolas" panose="020B0609020204030204" pitchFamily="49" charset="0"/>
-              </a:rPr>
-              <a:t>drink</a:t>
-            </a:r>
-            <a:r>
-              <a:rPr lang="en-US" altLang="ja-JP" dirty="0">
-                <a:solidFill>
-                  <a:srgbClr val="D4D4D4"/>
-                </a:solidFill>
-                <a:latin typeface="Consolas" panose="020B0609020204030204" pitchFamily="49" charset="0"/>
-              </a:rPr>
-              <a:t>=</a:t>
-            </a:r>
-            <a:r>
-              <a:rPr lang="en-US" altLang="ja-JP" dirty="0">
-                <a:solidFill>
-                  <a:srgbClr val="CE9178"/>
-                </a:solidFill>
-                <a:latin typeface="Consolas" panose="020B0609020204030204" pitchFamily="49" charset="0"/>
-              </a:rPr>
-              <a:t>"</a:t>
-            </a:r>
-            <a:r>
-              <a:rPr lang="ja-JP" altLang="en-US" dirty="0">
-                <a:solidFill>
-                  <a:srgbClr val="CE9178"/>
-                </a:solidFill>
-                <a:latin typeface="Consolas" panose="020B0609020204030204" pitchFamily="49" charset="0"/>
-              </a:rPr>
-              <a:t>赤ワイン</a:t>
-            </a:r>
-            <a:r>
-              <a:rPr lang="en-US" altLang="ja-JP" dirty="0">
-                <a:solidFill>
-                  <a:srgbClr val="CE9178"/>
-                </a:solidFill>
-                <a:latin typeface="Consolas" panose="020B0609020204030204" pitchFamily="49" charset="0"/>
-              </a:rPr>
-              <a:t>"</a:t>
-            </a:r>
-            <a:r>
-              <a:rPr lang="en-US" altLang="ja-JP" dirty="0">
-                <a:solidFill>
-                  <a:srgbClr val="D4D4D4"/>
-                </a:solidFill>
-                <a:latin typeface="Consolas" panose="020B0609020204030204" pitchFamily="49" charset="0"/>
-              </a:rPr>
-              <a:t>, </a:t>
-            </a:r>
-            <a:r>
-              <a:rPr lang="en-US" altLang="ja-JP" dirty="0">
-                <a:solidFill>
-                  <a:srgbClr val="9CDCFE"/>
-                </a:solidFill>
-                <a:latin typeface="Consolas" panose="020B0609020204030204" pitchFamily="49" charset="0"/>
-              </a:rPr>
-              <a:t>dessert</a:t>
-            </a:r>
-            <a:r>
-              <a:rPr lang="en-US" altLang="ja-JP" dirty="0">
-                <a:solidFill>
-                  <a:srgbClr val="D4D4D4"/>
-                </a:solidFill>
-                <a:latin typeface="Consolas" panose="020B0609020204030204" pitchFamily="49" charset="0"/>
-              </a:rPr>
-              <a:t>=</a:t>
-            </a:r>
-            <a:r>
-              <a:rPr lang="en-US" altLang="ja-JP" dirty="0">
-                <a:solidFill>
-                  <a:srgbClr val="CE9178"/>
-                </a:solidFill>
-                <a:latin typeface="Consolas" panose="020B0609020204030204" pitchFamily="49" charset="0"/>
-              </a:rPr>
-              <a:t>"</a:t>
-            </a:r>
-            <a:r>
-              <a:rPr lang="ja-JP" altLang="en-US" dirty="0">
-                <a:solidFill>
-                  <a:srgbClr val="CE9178"/>
-                </a:solidFill>
-                <a:latin typeface="Consolas" panose="020B0609020204030204" pitchFamily="49" charset="0"/>
-              </a:rPr>
-              <a:t>シャーベット</a:t>
-            </a:r>
-            <a:r>
-              <a:rPr lang="en-US" altLang="ja-JP" dirty="0">
-                <a:solidFill>
-                  <a:srgbClr val="CE9178"/>
-                </a:solidFill>
-                <a:latin typeface="Consolas" panose="020B0609020204030204" pitchFamily="49" charset="0"/>
-              </a:rPr>
-              <a:t>"</a:t>
-            </a:r>
-            <a:r>
-              <a:rPr lang="en-US" altLang="ja-JP" dirty="0">
-                <a:solidFill>
-                  <a:srgbClr val="D4D4D4"/>
-                </a:solidFill>
-                <a:latin typeface="Consolas" panose="020B0609020204030204" pitchFamily="49" charset="0"/>
-              </a:rPr>
-              <a:t>)</a:t>
-            </a:r>
-          </a:p>
-          <a:p>
-            <a:r>
-              <a:rPr lang="en-US" altLang="ja-JP" dirty="0" smtClean="0">
-                <a:solidFill>
-                  <a:srgbClr val="D4D4D4"/>
-                </a:solidFill>
-                <a:latin typeface="Consolas" panose="020B0609020204030204" pitchFamily="49" charset="0"/>
-              </a:rPr>
-              <a:t/>
-            </a:r>
-            <a:br>
-              <a:rPr lang="en-US" altLang="ja-JP" dirty="0" smtClean="0">
-                <a:solidFill>
-                  <a:srgbClr val="D4D4D4"/>
-                </a:solidFill>
-                <a:latin typeface="Consolas" panose="020B0609020204030204" pitchFamily="49" charset="0"/>
-              </a:rPr>
-            </a:br>
-            <a:endParaRPr lang="en-US" altLang="ja-JP" dirty="0" smtClean="0">
-              <a:solidFill>
-                <a:srgbClr val="D4D4D4"/>
-              </a:solidFill>
-              <a:latin typeface="Consolas" panose="020B0609020204030204" pitchFamily="49" charset="0"/>
-            </a:endParaRPr>
-          </a:p>
-          <a:p>
-            <a:endParaRPr lang="en-US" altLang="ja-JP" dirty="0">
-              <a:solidFill>
-                <a:srgbClr val="D4D4D4"/>
-              </a:solidFill>
-              <a:latin typeface="Consolas" panose="020B0609020204030204" pitchFamily="49" charset="0"/>
-            </a:endParaRPr>
-          </a:p>
-          <a:p>
-            <a:endParaRPr lang="en-US" altLang="ja-JP" dirty="0" smtClean="0">
-              <a:solidFill>
-                <a:srgbClr val="D4D4D4"/>
-              </a:solidFill>
-              <a:latin typeface="Consolas" panose="020B0609020204030204" pitchFamily="49" charset="0"/>
-            </a:endParaRPr>
-          </a:p>
-          <a:p>
-            <a:endParaRPr lang="en-US" altLang="ja-JP" dirty="0" smtClean="0">
-              <a:solidFill>
-                <a:srgbClr val="FF0000"/>
-              </a:solidFill>
-              <a:latin typeface="Consolas" panose="020B0609020204030204" pitchFamily="49" charset="0"/>
-            </a:endParaRPr>
-          </a:p>
-        </p:txBody>
-      </p:sp>
-      <p:sp>
-        <p:nvSpPr>
-          <p:cNvPr id="5" name="正方形/長方形 4"/>
-          <p:cNvSpPr/>
-          <p:nvPr/>
-        </p:nvSpPr>
-        <p:spPr>
-          <a:xfrm>
-            <a:off x="2972850" y="5676457"/>
-            <a:ext cx="4879589" cy="1023739"/>
+            <a:off x="1210553" y="3207717"/>
+            <a:ext cx="4879589" cy="1879672"/>
           </a:xfrm>
           <a:prstGeom prst="rect">
             <a:avLst/>
@@ -24105,42 +23136,654 @@
             <a:r>
               <a:rPr lang="en-US" altLang="ja-JP" dirty="0" smtClean="0">
                 <a:solidFill>
-                  <a:srgbClr val="FF0000"/>
-                </a:solidFill>
-                <a:latin typeface="Consolas" panose="020B0609020204030204" pitchFamily="49" charset="0"/>
-              </a:rPr>
-              <a:t>&gt;&gt;&gt;</a:t>
-            </a:r>
-            <a:r>
-              <a:rPr lang="ja-JP" altLang="en-US" dirty="0">
-                <a:solidFill>
-                  <a:srgbClr val="FF0000"/>
-                </a:solidFill>
-                <a:latin typeface="Consolas" panose="020B0609020204030204" pitchFamily="49" charset="0"/>
-              </a:rPr>
-              <a:t>夕食はステーキを用意しています。</a:t>
-            </a:r>
+                  <a:srgbClr val="FFFFFF"/>
+                </a:solidFill>
+                <a:latin typeface="Söhne Mono"/>
+              </a:rPr>
+              <a:t>grades </a:t>
+            </a:r>
+            <a:r>
+              <a:rPr lang="en-US" altLang="ja-JP" dirty="0">
+                <a:solidFill>
+                  <a:srgbClr val="FFFFFF"/>
+                </a:solidFill>
+                <a:latin typeface="Söhne Mono"/>
+              </a:rPr>
+              <a:t>= { </a:t>
+            </a:r>
+            <a:endParaRPr lang="en-US" altLang="ja-JP" dirty="0" smtClean="0">
+              <a:solidFill>
+                <a:srgbClr val="FFFFFF"/>
+              </a:solidFill>
+              <a:latin typeface="Söhne Mono"/>
+            </a:endParaRPr>
           </a:p>
           <a:p>
             <a:r>
-              <a:rPr lang="ja-JP" altLang="en-US" dirty="0">
-                <a:solidFill>
-                  <a:srgbClr val="FF0000"/>
-                </a:solidFill>
-                <a:latin typeface="Consolas" panose="020B0609020204030204" pitchFamily="49" charset="0"/>
-              </a:rPr>
-              <a:t>飲み物は赤ワインをおすすめします。</a:t>
-            </a:r>
+              <a:rPr lang="en-US" altLang="ja-JP" dirty="0">
+                <a:solidFill>
+                  <a:srgbClr val="FFFFFF"/>
+                </a:solidFill>
+                <a:latin typeface="Söhne Mono"/>
+              </a:rPr>
+              <a:t>	</a:t>
+            </a:r>
+            <a:r>
+              <a:rPr lang="en-US" altLang="ja-JP" dirty="0" smtClean="0">
+                <a:solidFill>
+                  <a:srgbClr val="00A67D"/>
+                </a:solidFill>
+                <a:latin typeface="Söhne Mono"/>
+              </a:rPr>
+              <a:t>'class1</a:t>
+            </a:r>
+            <a:r>
+              <a:rPr lang="en-US" altLang="ja-JP" dirty="0">
+                <a:solidFill>
+                  <a:srgbClr val="00A67D"/>
+                </a:solidFill>
+                <a:latin typeface="Söhne Mono"/>
+              </a:rPr>
+              <a:t>'</a:t>
+            </a:r>
+            <a:r>
+              <a:rPr lang="en-US" altLang="ja-JP" dirty="0">
+                <a:solidFill>
+                  <a:srgbClr val="FFFFFF"/>
+                </a:solidFill>
+                <a:latin typeface="Söhne Mono"/>
+              </a:rPr>
+              <a:t>: [</a:t>
+            </a:r>
+            <a:r>
+              <a:rPr lang="en-US" altLang="ja-JP" dirty="0">
+                <a:solidFill>
+                  <a:srgbClr val="DF3079"/>
+                </a:solidFill>
+                <a:latin typeface="Söhne Mono"/>
+              </a:rPr>
+              <a:t>88</a:t>
+            </a:r>
+            <a:r>
+              <a:rPr lang="en-US" altLang="ja-JP" dirty="0">
+                <a:solidFill>
+                  <a:srgbClr val="FFFFFF"/>
+                </a:solidFill>
+                <a:latin typeface="Söhne Mono"/>
+              </a:rPr>
+              <a:t>, </a:t>
+            </a:r>
+            <a:r>
+              <a:rPr lang="en-US" altLang="ja-JP" dirty="0">
+                <a:solidFill>
+                  <a:srgbClr val="DF3079"/>
+                </a:solidFill>
+                <a:latin typeface="Söhne Mono"/>
+              </a:rPr>
+              <a:t>82</a:t>
+            </a:r>
+            <a:r>
+              <a:rPr lang="en-US" altLang="ja-JP" dirty="0">
+                <a:solidFill>
+                  <a:srgbClr val="FFFFFF"/>
+                </a:solidFill>
+                <a:latin typeface="Söhne Mono"/>
+              </a:rPr>
+              <a:t>, </a:t>
+            </a:r>
+            <a:r>
+              <a:rPr lang="en-US" altLang="ja-JP" dirty="0">
+                <a:solidFill>
+                  <a:srgbClr val="DF3079"/>
+                </a:solidFill>
+                <a:latin typeface="Söhne Mono"/>
+              </a:rPr>
+              <a:t>91</a:t>
+            </a:r>
+            <a:r>
+              <a:rPr lang="en-US" altLang="ja-JP" dirty="0">
+                <a:solidFill>
+                  <a:srgbClr val="FFFFFF"/>
+                </a:solidFill>
+                <a:latin typeface="Söhne Mono"/>
+              </a:rPr>
+              <a:t>, </a:t>
+            </a:r>
+            <a:r>
+              <a:rPr lang="en-US" altLang="ja-JP" dirty="0">
+                <a:solidFill>
+                  <a:srgbClr val="DF3079"/>
+                </a:solidFill>
+                <a:latin typeface="Söhne Mono"/>
+              </a:rPr>
+              <a:t>74</a:t>
+            </a:r>
+            <a:r>
+              <a:rPr lang="en-US" altLang="ja-JP" dirty="0">
+                <a:solidFill>
+                  <a:srgbClr val="FFFFFF"/>
+                </a:solidFill>
+                <a:latin typeface="Söhne Mono"/>
+              </a:rPr>
+              <a:t>, </a:t>
+            </a:r>
+            <a:r>
+              <a:rPr lang="en-US" altLang="ja-JP" dirty="0">
+                <a:solidFill>
+                  <a:srgbClr val="DF3079"/>
+                </a:solidFill>
+                <a:latin typeface="Söhne Mono"/>
+              </a:rPr>
+              <a:t>86</a:t>
+            </a:r>
+            <a:r>
+              <a:rPr lang="en-US" altLang="ja-JP" dirty="0">
+                <a:solidFill>
+                  <a:srgbClr val="FFFFFF"/>
+                </a:solidFill>
+                <a:latin typeface="Söhne Mono"/>
+              </a:rPr>
+              <a:t>, </a:t>
+            </a:r>
+            <a:r>
+              <a:rPr lang="en-US" altLang="ja-JP" dirty="0">
+                <a:solidFill>
+                  <a:srgbClr val="DF3079"/>
+                </a:solidFill>
+                <a:latin typeface="Söhne Mono"/>
+              </a:rPr>
+              <a:t>92</a:t>
+            </a:r>
+            <a:r>
+              <a:rPr lang="en-US" altLang="ja-JP" dirty="0">
+                <a:solidFill>
+                  <a:srgbClr val="FFFFFF"/>
+                </a:solidFill>
+                <a:latin typeface="Söhne Mono"/>
+              </a:rPr>
+              <a:t>], </a:t>
+            </a:r>
+            <a:endParaRPr lang="en-US" altLang="ja-JP" dirty="0" smtClean="0">
+              <a:solidFill>
+                <a:srgbClr val="FFFFFF"/>
+              </a:solidFill>
+              <a:latin typeface="Söhne Mono"/>
+            </a:endParaRPr>
           </a:p>
           <a:p>
             <a:r>
-              <a:rPr lang="ja-JP" altLang="en-US" dirty="0">
-                <a:solidFill>
-                  <a:srgbClr val="FF0000"/>
-                </a:solidFill>
-                <a:latin typeface="Consolas" panose="020B0609020204030204" pitchFamily="49" charset="0"/>
-              </a:rPr>
-              <a:t>デザートにシャーベットをどうぞ。</a:t>
+              <a:rPr lang="en-US" altLang="ja-JP" dirty="0">
+                <a:solidFill>
+                  <a:srgbClr val="FFFFFF"/>
+                </a:solidFill>
+                <a:latin typeface="Söhne Mono"/>
+              </a:rPr>
+              <a:t>	</a:t>
+            </a:r>
+            <a:r>
+              <a:rPr lang="en-US" altLang="ja-JP" dirty="0" smtClean="0">
+                <a:solidFill>
+                  <a:srgbClr val="00A67D"/>
+                </a:solidFill>
+                <a:latin typeface="Söhne Mono"/>
+              </a:rPr>
+              <a:t>'class2</a:t>
+            </a:r>
+            <a:r>
+              <a:rPr lang="en-US" altLang="ja-JP" dirty="0">
+                <a:solidFill>
+                  <a:srgbClr val="00A67D"/>
+                </a:solidFill>
+                <a:latin typeface="Söhne Mono"/>
+              </a:rPr>
+              <a:t>'</a:t>
+            </a:r>
+            <a:r>
+              <a:rPr lang="en-US" altLang="ja-JP" dirty="0">
+                <a:solidFill>
+                  <a:srgbClr val="FFFFFF"/>
+                </a:solidFill>
+                <a:latin typeface="Söhne Mono"/>
+              </a:rPr>
+              <a:t>: [</a:t>
+            </a:r>
+            <a:r>
+              <a:rPr lang="en-US" altLang="ja-JP" dirty="0">
+                <a:solidFill>
+                  <a:srgbClr val="DF3079"/>
+                </a:solidFill>
+                <a:latin typeface="Söhne Mono"/>
+              </a:rPr>
+              <a:t>78</a:t>
+            </a:r>
+            <a:r>
+              <a:rPr lang="en-US" altLang="ja-JP" dirty="0">
+                <a:solidFill>
+                  <a:srgbClr val="FFFFFF"/>
+                </a:solidFill>
+                <a:latin typeface="Söhne Mono"/>
+              </a:rPr>
+              <a:t>, </a:t>
+            </a:r>
+            <a:r>
+              <a:rPr lang="en-US" altLang="ja-JP" dirty="0">
+                <a:solidFill>
+                  <a:srgbClr val="DF3079"/>
+                </a:solidFill>
+                <a:latin typeface="Söhne Mono"/>
+              </a:rPr>
+              <a:t>88</a:t>
+            </a:r>
+            <a:r>
+              <a:rPr lang="en-US" altLang="ja-JP" dirty="0">
+                <a:solidFill>
+                  <a:srgbClr val="FFFFFF"/>
+                </a:solidFill>
+                <a:latin typeface="Söhne Mono"/>
+              </a:rPr>
+              <a:t>, </a:t>
+            </a:r>
+            <a:r>
+              <a:rPr lang="en-US" altLang="ja-JP" dirty="0">
+                <a:solidFill>
+                  <a:srgbClr val="DF3079"/>
+                </a:solidFill>
+                <a:latin typeface="Söhne Mono"/>
+              </a:rPr>
+              <a:t>85</a:t>
+            </a:r>
+            <a:r>
+              <a:rPr lang="en-US" altLang="ja-JP" dirty="0">
+                <a:solidFill>
+                  <a:srgbClr val="FFFFFF"/>
+                </a:solidFill>
+                <a:latin typeface="Söhne Mono"/>
+              </a:rPr>
+              <a:t>, </a:t>
+            </a:r>
+            <a:r>
+              <a:rPr lang="en-US" altLang="ja-JP" dirty="0">
+                <a:solidFill>
+                  <a:srgbClr val="DF3079"/>
+                </a:solidFill>
+                <a:latin typeface="Söhne Mono"/>
+              </a:rPr>
+              <a:t>89</a:t>
+            </a:r>
+            <a:r>
+              <a:rPr lang="en-US" altLang="ja-JP" dirty="0">
+                <a:solidFill>
+                  <a:srgbClr val="FFFFFF"/>
+                </a:solidFill>
+                <a:latin typeface="Söhne Mono"/>
+              </a:rPr>
+              <a:t>, </a:t>
+            </a:r>
+            <a:r>
+              <a:rPr lang="en-US" altLang="ja-JP" dirty="0">
+                <a:solidFill>
+                  <a:srgbClr val="DF3079"/>
+                </a:solidFill>
+                <a:latin typeface="Söhne Mono"/>
+              </a:rPr>
+              <a:t>90</a:t>
+            </a:r>
+            <a:r>
+              <a:rPr lang="en-US" altLang="ja-JP" dirty="0">
+                <a:solidFill>
+                  <a:srgbClr val="FFFFFF"/>
+                </a:solidFill>
+                <a:latin typeface="Söhne Mono"/>
+              </a:rPr>
+              <a:t>, </a:t>
+            </a:r>
+            <a:r>
+              <a:rPr lang="en-US" altLang="ja-JP" dirty="0">
+                <a:solidFill>
+                  <a:srgbClr val="DF3079"/>
+                </a:solidFill>
+                <a:latin typeface="Söhne Mono"/>
+              </a:rPr>
+              <a:t>92</a:t>
+            </a:r>
+            <a:r>
+              <a:rPr lang="en-US" altLang="ja-JP" dirty="0">
+                <a:solidFill>
+                  <a:srgbClr val="FFFFFF"/>
+                </a:solidFill>
+                <a:latin typeface="Söhne Mono"/>
+              </a:rPr>
+              <a:t>], </a:t>
+            </a:r>
+            <a:endParaRPr lang="en-US" altLang="ja-JP" dirty="0" smtClean="0">
+              <a:solidFill>
+                <a:srgbClr val="FFFFFF"/>
+              </a:solidFill>
+              <a:latin typeface="Söhne Mono"/>
+            </a:endParaRPr>
+          </a:p>
+          <a:p>
+            <a:r>
+              <a:rPr lang="en-US" altLang="ja-JP" dirty="0">
+                <a:solidFill>
+                  <a:srgbClr val="FFFFFF"/>
+                </a:solidFill>
+                <a:latin typeface="Söhne Mono"/>
+              </a:rPr>
+              <a:t>	</a:t>
+            </a:r>
+            <a:r>
+              <a:rPr lang="en-US" altLang="ja-JP" dirty="0" smtClean="0">
+                <a:solidFill>
+                  <a:srgbClr val="00A67D"/>
+                </a:solidFill>
+                <a:latin typeface="Söhne Mono"/>
+              </a:rPr>
+              <a:t>'class3</a:t>
+            </a:r>
+            <a:r>
+              <a:rPr lang="en-US" altLang="ja-JP" dirty="0">
+                <a:solidFill>
+                  <a:srgbClr val="00A67D"/>
+                </a:solidFill>
+                <a:latin typeface="Söhne Mono"/>
+              </a:rPr>
+              <a:t>'</a:t>
+            </a:r>
+            <a:r>
+              <a:rPr lang="en-US" altLang="ja-JP" dirty="0">
+                <a:solidFill>
+                  <a:srgbClr val="FFFFFF"/>
+                </a:solidFill>
+                <a:latin typeface="Söhne Mono"/>
+              </a:rPr>
+              <a:t>: [</a:t>
+            </a:r>
+            <a:r>
+              <a:rPr lang="en-US" altLang="ja-JP" dirty="0">
+                <a:solidFill>
+                  <a:srgbClr val="DF3079"/>
+                </a:solidFill>
+                <a:latin typeface="Söhne Mono"/>
+              </a:rPr>
+              <a:t>95</a:t>
+            </a:r>
+            <a:r>
+              <a:rPr lang="en-US" altLang="ja-JP" dirty="0">
+                <a:solidFill>
+                  <a:srgbClr val="FFFFFF"/>
+                </a:solidFill>
+                <a:latin typeface="Söhne Mono"/>
+              </a:rPr>
+              <a:t>, </a:t>
+            </a:r>
+            <a:r>
+              <a:rPr lang="en-US" altLang="ja-JP" dirty="0">
+                <a:solidFill>
+                  <a:srgbClr val="DF3079"/>
+                </a:solidFill>
+                <a:latin typeface="Söhne Mono"/>
+              </a:rPr>
+              <a:t>90</a:t>
+            </a:r>
+            <a:r>
+              <a:rPr lang="en-US" altLang="ja-JP" dirty="0">
+                <a:solidFill>
+                  <a:srgbClr val="FFFFFF"/>
+                </a:solidFill>
+                <a:latin typeface="Söhne Mono"/>
+              </a:rPr>
+              <a:t>, </a:t>
+            </a:r>
+            <a:r>
+              <a:rPr lang="en-US" altLang="ja-JP" dirty="0">
+                <a:solidFill>
+                  <a:srgbClr val="DF3079"/>
+                </a:solidFill>
+                <a:latin typeface="Söhne Mono"/>
+              </a:rPr>
+              <a:t>91</a:t>
+            </a:r>
+            <a:r>
+              <a:rPr lang="en-US" altLang="ja-JP" dirty="0">
+                <a:solidFill>
+                  <a:srgbClr val="FFFFFF"/>
+                </a:solidFill>
+                <a:latin typeface="Söhne Mono"/>
+              </a:rPr>
+              <a:t>, </a:t>
+            </a:r>
+            <a:r>
+              <a:rPr lang="en-US" altLang="ja-JP" dirty="0">
+                <a:solidFill>
+                  <a:srgbClr val="DF3079"/>
+                </a:solidFill>
+                <a:latin typeface="Söhne Mono"/>
+              </a:rPr>
+              <a:t>92</a:t>
+            </a:r>
+            <a:r>
+              <a:rPr lang="en-US" altLang="ja-JP" dirty="0">
+                <a:solidFill>
+                  <a:srgbClr val="FFFFFF"/>
+                </a:solidFill>
+                <a:latin typeface="Söhne Mono"/>
+              </a:rPr>
+              <a:t>, </a:t>
+            </a:r>
+            <a:r>
+              <a:rPr lang="en-US" altLang="ja-JP" dirty="0">
+                <a:solidFill>
+                  <a:srgbClr val="DF3079"/>
+                </a:solidFill>
+                <a:latin typeface="Söhne Mono"/>
+              </a:rPr>
+              <a:t>88</a:t>
+            </a:r>
+            <a:r>
+              <a:rPr lang="en-US" altLang="ja-JP" dirty="0">
+                <a:solidFill>
+                  <a:srgbClr val="FFFFFF"/>
+                </a:solidFill>
+                <a:latin typeface="Söhne Mono"/>
+              </a:rPr>
+              <a:t>, </a:t>
+            </a:r>
+            <a:r>
+              <a:rPr lang="en-US" altLang="ja-JP" dirty="0">
+                <a:solidFill>
+                  <a:srgbClr val="DF3079"/>
+                </a:solidFill>
+                <a:latin typeface="Söhne Mono"/>
+              </a:rPr>
+              <a:t>86</a:t>
+            </a:r>
+            <a:r>
+              <a:rPr lang="en-US" altLang="ja-JP" dirty="0">
+                <a:solidFill>
+                  <a:srgbClr val="FFFFFF"/>
+                </a:solidFill>
+                <a:latin typeface="Söhne Mono"/>
+              </a:rPr>
+              <a:t>], </a:t>
+            </a:r>
+            <a:endParaRPr lang="en-US" altLang="ja-JP" dirty="0" smtClean="0">
+              <a:solidFill>
+                <a:srgbClr val="FFFFFF"/>
+              </a:solidFill>
+              <a:latin typeface="Söhne Mono"/>
+            </a:endParaRPr>
+          </a:p>
+          <a:p>
+            <a:r>
+              <a:rPr lang="en-US" altLang="ja-JP" dirty="0">
+                <a:solidFill>
+                  <a:srgbClr val="FFFFFF"/>
+                </a:solidFill>
+                <a:latin typeface="Söhne Mono"/>
+              </a:rPr>
+              <a:t>	</a:t>
+            </a:r>
+            <a:r>
+              <a:rPr lang="en-US" altLang="ja-JP" dirty="0" smtClean="0">
+                <a:solidFill>
+                  <a:srgbClr val="00A67D"/>
+                </a:solidFill>
+                <a:latin typeface="Söhne Mono"/>
+              </a:rPr>
+              <a:t>'class4</a:t>
+            </a:r>
+            <a:r>
+              <a:rPr lang="en-US" altLang="ja-JP" dirty="0">
+                <a:solidFill>
+                  <a:srgbClr val="00A67D"/>
+                </a:solidFill>
+                <a:latin typeface="Söhne Mono"/>
+              </a:rPr>
+              <a:t>'</a:t>
+            </a:r>
+            <a:r>
+              <a:rPr lang="en-US" altLang="ja-JP" dirty="0">
+                <a:solidFill>
+                  <a:srgbClr val="FFFFFF"/>
+                </a:solidFill>
+                <a:latin typeface="Söhne Mono"/>
+              </a:rPr>
+              <a:t>: [</a:t>
+            </a:r>
+            <a:r>
+              <a:rPr lang="en-US" altLang="ja-JP" dirty="0">
+                <a:solidFill>
+                  <a:srgbClr val="DF3079"/>
+                </a:solidFill>
+                <a:latin typeface="Söhne Mono"/>
+              </a:rPr>
+              <a:t>70</a:t>
+            </a:r>
+            <a:r>
+              <a:rPr lang="en-US" altLang="ja-JP" dirty="0">
+                <a:solidFill>
+                  <a:srgbClr val="FFFFFF"/>
+                </a:solidFill>
+                <a:latin typeface="Söhne Mono"/>
+              </a:rPr>
+              <a:t>, </a:t>
+            </a:r>
+            <a:r>
+              <a:rPr lang="en-US" altLang="ja-JP" dirty="0">
+                <a:solidFill>
+                  <a:srgbClr val="DF3079"/>
+                </a:solidFill>
+                <a:latin typeface="Söhne Mono"/>
+              </a:rPr>
+              <a:t>72</a:t>
+            </a:r>
+            <a:r>
+              <a:rPr lang="en-US" altLang="ja-JP" dirty="0">
+                <a:solidFill>
+                  <a:srgbClr val="FFFFFF"/>
+                </a:solidFill>
+                <a:latin typeface="Söhne Mono"/>
+              </a:rPr>
+              <a:t>, </a:t>
+            </a:r>
+            <a:r>
+              <a:rPr lang="en-US" altLang="ja-JP" dirty="0">
+                <a:solidFill>
+                  <a:srgbClr val="DF3079"/>
+                </a:solidFill>
+                <a:latin typeface="Söhne Mono"/>
+              </a:rPr>
+              <a:t>75</a:t>
+            </a:r>
+            <a:r>
+              <a:rPr lang="en-US" altLang="ja-JP" dirty="0">
+                <a:solidFill>
+                  <a:srgbClr val="FFFFFF"/>
+                </a:solidFill>
+                <a:latin typeface="Söhne Mono"/>
+              </a:rPr>
+              <a:t>, </a:t>
+            </a:r>
+            <a:r>
+              <a:rPr lang="en-US" altLang="ja-JP" dirty="0">
+                <a:solidFill>
+                  <a:srgbClr val="DF3079"/>
+                </a:solidFill>
+                <a:latin typeface="Söhne Mono"/>
+              </a:rPr>
+              <a:t>73</a:t>
+            </a:r>
+            <a:r>
+              <a:rPr lang="en-US" altLang="ja-JP" dirty="0">
+                <a:solidFill>
+                  <a:srgbClr val="FFFFFF"/>
+                </a:solidFill>
+                <a:latin typeface="Söhne Mono"/>
+              </a:rPr>
+              <a:t>, </a:t>
+            </a:r>
+            <a:r>
+              <a:rPr lang="en-US" altLang="ja-JP" dirty="0">
+                <a:solidFill>
+                  <a:srgbClr val="DF3079"/>
+                </a:solidFill>
+                <a:latin typeface="Söhne Mono"/>
+              </a:rPr>
+              <a:t>68</a:t>
+            </a:r>
+            <a:r>
+              <a:rPr lang="en-US" altLang="ja-JP" dirty="0">
+                <a:solidFill>
+                  <a:srgbClr val="FFFFFF"/>
+                </a:solidFill>
+                <a:latin typeface="Söhne Mono"/>
+              </a:rPr>
+              <a:t>, </a:t>
+            </a:r>
+            <a:r>
+              <a:rPr lang="en-US" altLang="ja-JP" dirty="0">
+                <a:solidFill>
+                  <a:srgbClr val="DF3079"/>
+                </a:solidFill>
+                <a:latin typeface="Söhne Mono"/>
+              </a:rPr>
+              <a:t>72</a:t>
+            </a:r>
+            <a:r>
+              <a:rPr lang="en-US" altLang="ja-JP" dirty="0">
+                <a:solidFill>
+                  <a:srgbClr val="FFFFFF"/>
+                </a:solidFill>
+                <a:latin typeface="Söhne Mono"/>
+              </a:rPr>
+              <a:t>], </a:t>
+            </a:r>
+            <a:endParaRPr lang="en-US" altLang="ja-JP" dirty="0" smtClean="0">
+              <a:solidFill>
+                <a:srgbClr val="FFFFFF"/>
+              </a:solidFill>
+              <a:latin typeface="Söhne Mono"/>
+            </a:endParaRPr>
+          </a:p>
+          <a:p>
+            <a:r>
+              <a:rPr lang="en-US" altLang="ja-JP" dirty="0">
+                <a:solidFill>
+                  <a:srgbClr val="FFFFFF"/>
+                </a:solidFill>
+                <a:latin typeface="Söhne Mono"/>
+              </a:rPr>
+              <a:t>	</a:t>
+            </a:r>
+            <a:r>
+              <a:rPr lang="en-US" altLang="ja-JP" dirty="0" smtClean="0">
+                <a:solidFill>
+                  <a:srgbClr val="FFFFFF"/>
+                </a:solidFill>
+                <a:latin typeface="Söhne Mono"/>
+              </a:rPr>
+              <a:t>}</a:t>
             </a:r>
             <a:endParaRPr lang="en-US" altLang="ja-JP" dirty="0" smtClean="0">
               <a:solidFill>
@@ -24153,85 +23796,170 @@
       </p:sp>
       <p:sp>
         <p:nvSpPr>
-          <p:cNvPr id="6" name="正方形/長方形 5"/>
-          <p:cNvSpPr/>
+          <p:cNvPr id="3" name="テキスト ボックス 2"/>
+          <p:cNvSpPr txBox="1"/>
           <p:nvPr/>
         </p:nvSpPr>
         <p:spPr>
           <a:xfrm>
-            <a:off x="2972851" y="3989113"/>
-            <a:ext cx="4879589" cy="1208835"/>
+            <a:off x="1210553" y="2838385"/>
+            <a:ext cx="2262158" cy="369332"/>
           </a:xfrm>
           <a:prstGeom prst="rect">
             <a:avLst/>
           </a:prstGeom>
+          <a:noFill/>
         </p:spPr>
-        <p:style>
-          <a:lnRef idx="2">
-            <a:schemeClr val="dk1">
-              <a:shade val="50000"/>
-            </a:schemeClr>
-          </a:lnRef>
-          <a:fillRef idx="1">
-            <a:schemeClr val="dk1"/>
-          </a:fillRef>
-          <a:effectRef idx="0">
-            <a:schemeClr val="dk1"/>
-          </a:effectRef>
-          <a:fontRef idx="minor">
-            <a:schemeClr val="lt1"/>
-          </a:fontRef>
-        </p:style>
         <p:txBody>
-          <a:bodyPr rtlCol="0" anchor="ctr"/>
+          <a:bodyPr wrap="none" rtlCol="0">
+            <a:spAutoFit/>
+          </a:bodyPr>
           <a:lstStyle/>
           <a:p>
             <a:r>
-              <a:rPr lang="en-US" altLang="ja-JP" dirty="0" smtClean="0">
-                <a:solidFill>
-                  <a:srgbClr val="FF0000"/>
-                </a:solidFill>
-                <a:latin typeface="Consolas" panose="020B0609020204030204" pitchFamily="49" charset="0"/>
-              </a:rPr>
-              <a:t>&gt;&gt;&gt;</a:t>
-            </a:r>
-            <a:r>
-              <a:rPr lang="ja-JP" altLang="en-US" dirty="0">
-                <a:solidFill>
-                  <a:srgbClr val="FF0000"/>
-                </a:solidFill>
-                <a:latin typeface="Consolas" panose="020B0609020204030204" pitchFamily="49" charset="0"/>
-              </a:rPr>
-              <a:t>夕食はハンバーグを用意しています。</a:t>
-            </a:r>
+              <a:rPr kumimoji="1" lang="ja-JP" altLang="en-US" b="1" dirty="0" smtClean="0"/>
+              <a:t>クラスのデータ構造</a:t>
+            </a:r>
+            <a:endParaRPr kumimoji="1" lang="ja-JP" altLang="en-US" b="1" dirty="0"/>
+          </a:p>
+        </p:txBody>
+      </p:sp>
+      <p:sp>
+        <p:nvSpPr>
+          <p:cNvPr id="4" name="テキスト ボックス 3"/>
+          <p:cNvSpPr txBox="1"/>
+          <p:nvPr/>
+        </p:nvSpPr>
+        <p:spPr>
+          <a:xfrm>
+            <a:off x="6591993" y="2838385"/>
+            <a:ext cx="4554452" cy="3447098"/>
+          </a:xfrm>
+          <a:prstGeom prst="rect">
+            <a:avLst/>
+          </a:prstGeom>
+          <a:noFill/>
+        </p:spPr>
+        <p:txBody>
+          <a:bodyPr wrap="none" rtlCol="0">
+            <a:spAutoFit/>
+          </a:bodyPr>
+          <a:lstStyle/>
+          <a:p>
+            <a:r>
+              <a:rPr lang="ja-JP" altLang="en-US" sz="2000" b="1" dirty="0" smtClean="0"/>
+              <a:t>プログラムのアルゴリズム例</a:t>
+            </a:r>
+            <a:endParaRPr lang="en-US" altLang="ja-JP" sz="2000" b="1" dirty="0" smtClean="0"/>
           </a:p>
           <a:p>
-            <a:r>
-              <a:rPr lang="ja-JP" altLang="en-US" dirty="0">
-                <a:solidFill>
-                  <a:srgbClr val="FF0000"/>
-                </a:solidFill>
-                <a:latin typeface="Consolas" panose="020B0609020204030204" pitchFamily="49" charset="0"/>
-              </a:rPr>
-              <a:t>飲み物は赤ワインをおすすめします。</a:t>
-            </a:r>
+            <a:endParaRPr kumimoji="1" lang="en-US" altLang="ja-JP" dirty="0"/>
           </a:p>
           <a:p>
             <a:r>
-              <a:rPr lang="ja-JP" altLang="en-US" dirty="0">
-                <a:solidFill>
-                  <a:srgbClr val="FF0000"/>
-                </a:solidFill>
-                <a:latin typeface="Consolas" panose="020B0609020204030204" pitchFamily="49" charset="0"/>
-              </a:rPr>
-              <a:t>デザートにアイスクリームをどうぞ。</a:t>
-            </a:r>
-            <a:endParaRPr lang="en-US" altLang="ja-JP" dirty="0" smtClean="0">
-              <a:solidFill>
-                <a:srgbClr val="FF0000"/>
-              </a:solidFill>
-              <a:latin typeface="Consolas" panose="020B0609020204030204" pitchFamily="49" charset="0"/>
-            </a:endParaRPr>
+              <a:rPr lang="ja-JP" altLang="en-US" b="1" dirty="0" smtClean="0"/>
+              <a:t>①データ構造の定義</a:t>
+            </a:r>
+            <a:endParaRPr lang="en-US" altLang="ja-JP" b="1" dirty="0" smtClean="0"/>
+          </a:p>
+          <a:p>
+            <a:r>
+              <a:rPr lang="ja-JP" altLang="en-US" dirty="0" smtClean="0"/>
+              <a:t>　左記のデータを定義</a:t>
+            </a:r>
+            <a:endParaRPr lang="en-US" altLang="ja-JP" dirty="0" smtClean="0"/>
+          </a:p>
+          <a:p>
+            <a:r>
+              <a:rPr kumimoji="1" lang="ja-JP" altLang="en-US" b="1" dirty="0" smtClean="0"/>
+              <a:t>②関数の定義～処理</a:t>
+            </a:r>
+            <a:endParaRPr kumimoji="1" lang="en-US" altLang="ja-JP" b="1" dirty="0" smtClean="0"/>
+          </a:p>
+          <a:p>
+            <a:r>
+              <a:rPr lang="ja-JP" altLang="en-US" dirty="0"/>
+              <a:t>　</a:t>
+            </a:r>
+            <a:r>
+              <a:rPr lang="en-US" altLang="ja-JP" dirty="0" smtClean="0"/>
+              <a:t>class</a:t>
+            </a:r>
+            <a:r>
+              <a:rPr lang="ja-JP" altLang="en-US" dirty="0" smtClean="0"/>
+              <a:t>の合計値</a:t>
+            </a:r>
+            <a:r>
+              <a:rPr lang="en-US" altLang="ja-JP" dirty="0" smtClean="0"/>
+              <a:t>/class</a:t>
+            </a:r>
+            <a:r>
+              <a:rPr lang="ja-JP" altLang="en-US" dirty="0" smtClean="0"/>
+              <a:t>の長さ</a:t>
+            </a:r>
+            <a:endParaRPr lang="en-US" altLang="ja-JP" dirty="0" smtClean="0"/>
+          </a:p>
+          <a:p>
+            <a:r>
+              <a:rPr kumimoji="1" lang="ja-JP" altLang="en-US" dirty="0"/>
+              <a:t>　</a:t>
+            </a:r>
+            <a:r>
+              <a:rPr kumimoji="1" lang="ja-JP" altLang="en-US" dirty="0" smtClean="0"/>
+              <a:t>上記の式を行うプログラムを入力</a:t>
+            </a:r>
+            <a:endParaRPr kumimoji="1" lang="en-US" altLang="ja-JP" dirty="0" smtClean="0"/>
+          </a:p>
+          <a:p>
+            <a:r>
+              <a:rPr lang="ja-JP" altLang="en-US" b="1" dirty="0" smtClean="0"/>
+              <a:t>③関数を呼び出し返り値をエクスポート</a:t>
+            </a:r>
+            <a:endParaRPr lang="en-US" altLang="ja-JP" b="1" dirty="0" smtClean="0"/>
+          </a:p>
+          <a:p>
+            <a:endParaRPr lang="en-US" altLang="ja-JP" b="1" dirty="0" smtClean="0"/>
+          </a:p>
+          <a:p>
+            <a:r>
+              <a:rPr kumimoji="1" lang="en-US" altLang="ja-JP" b="1" dirty="0" smtClean="0"/>
+              <a:t>※</a:t>
+            </a:r>
+            <a:r>
+              <a:rPr kumimoji="1" lang="en-US" altLang="ja-JP" b="1" dirty="0" err="1" smtClean="0"/>
+              <a:t>def</a:t>
+            </a:r>
+            <a:r>
+              <a:rPr kumimoji="1" lang="ja-JP" altLang="en-US" b="1" dirty="0" smtClean="0"/>
+              <a:t>のみでなく、これまでの</a:t>
+            </a:r>
+            <a:r>
+              <a:rPr lang="en-US" altLang="ja-JP" b="1" dirty="0" smtClean="0"/>
+              <a:t>for</a:t>
+            </a:r>
+            <a:r>
+              <a:rPr lang="ja-JP" altLang="en-US" b="1" dirty="0" smtClean="0"/>
+              <a:t>文などを</a:t>
+            </a:r>
+            <a:endParaRPr lang="en-US" altLang="ja-JP" b="1" dirty="0" smtClean="0"/>
+          </a:p>
+          <a:p>
+            <a:r>
+              <a:rPr lang="ja-JP" altLang="en-US" b="1" dirty="0"/>
+              <a:t>　</a:t>
+            </a:r>
+            <a:r>
+              <a:rPr lang="ja-JP" altLang="en-US" b="1" dirty="0" smtClean="0"/>
+              <a:t>利用してみてください</a:t>
+            </a:r>
+            <a:endParaRPr kumimoji="1" lang="en-US" altLang="ja-JP" b="1" dirty="0" smtClean="0"/>
+          </a:p>
+          <a:p>
+            <a:r>
+              <a:rPr kumimoji="1" lang="ja-JP" altLang="en-US" dirty="0" smtClean="0"/>
+              <a:t>　</a:t>
+            </a:r>
+            <a:endParaRPr kumimoji="1" lang="ja-JP" altLang="en-US" dirty="0"/>
           </a:p>
         </p:txBody>
       </p:sp>
@@ -24444,7 +24172,7 @@
           <p:nvPr>
             <p:extLst>
               <p:ext uri="{D42A27DB-BD31-4B8C-83A1-F6EECF244321}">
-                <p14:modId xmlns:p14="http://schemas.microsoft.com/office/powerpoint/2010/main" val="3423566752"/>
+                <p14:modId xmlns:p14="http://schemas.microsoft.com/office/powerpoint/2010/main" val="3013308635"/>
               </p:ext>
             </p:extLst>
           </p:nvPr>
@@ -24538,7 +24266,7 @@
                       <a:r>
                         <a:rPr lang="ja-JP" altLang="en-US" sz="2000" b="1" i="0" kern="1200" dirty="0" smtClean="0">
                           <a:solidFill>
-                            <a:schemeClr val="dk1"/>
+                            <a:srgbClr val="FF0000"/>
                           </a:solidFill>
                           <a:effectLst/>
                           <a:latin typeface="+mn-lt"/>
@@ -24547,7 +24275,11 @@
                         </a:rPr>
                         <a:t>可変長引数</a:t>
                       </a:r>
-                      <a:endParaRPr kumimoji="1" lang="ja-JP" altLang="en-US" sz="2000" dirty="0"/>
+                      <a:endParaRPr kumimoji="1" lang="ja-JP" altLang="en-US" sz="2000" dirty="0">
+                        <a:solidFill>
+                          <a:srgbClr val="FF0000"/>
+                        </a:solidFill>
+                      </a:endParaRPr>
                     </a:p>
                   </a:txBody>
                   <a:tcPr anchor="ctr"/>
@@ -24651,7 +24383,7 @@
                       <a:r>
                         <a:rPr lang="ja-JP" altLang="en-US" sz="2000" b="1" i="0" kern="1200" dirty="0" smtClean="0">
                           <a:solidFill>
-                            <a:schemeClr val="dk1"/>
+                            <a:srgbClr val="FF0000"/>
                           </a:solidFill>
                           <a:effectLst/>
                           <a:latin typeface="+mn-lt"/>
@@ -24660,7 +24392,11 @@
                         </a:rPr>
                         <a:t>高階関数とクロージャ</a:t>
                       </a:r>
-                      <a:endParaRPr kumimoji="1" lang="ja-JP" altLang="en-US" sz="2000" dirty="0"/>
+                      <a:endParaRPr kumimoji="1" lang="ja-JP" altLang="en-US" sz="2000" dirty="0">
+                        <a:solidFill>
+                          <a:srgbClr val="FF0000"/>
+                        </a:solidFill>
+                      </a:endParaRPr>
                     </a:p>
                   </a:txBody>
                   <a:tcPr anchor="ctr"/>
@@ -24858,7 +24594,7 @@
                       <a:r>
                         <a:rPr lang="ja-JP" altLang="en-US" sz="2000" b="1" i="0" kern="1200" dirty="0" smtClean="0">
                           <a:solidFill>
-                            <a:schemeClr val="dk1"/>
+                            <a:srgbClr val="FF0000"/>
                           </a:solidFill>
                           <a:effectLst/>
                           <a:latin typeface="+mn-lt"/>
@@ -24867,7 +24603,11 @@
                         </a:rPr>
                         <a:t>エラーハンドリングと例外処理</a:t>
                       </a:r>
-                      <a:endParaRPr kumimoji="1" lang="ja-JP" altLang="en-US" sz="2000" dirty="0"/>
+                      <a:endParaRPr kumimoji="1" lang="ja-JP" altLang="en-US" sz="2000" dirty="0">
+                        <a:solidFill>
+                          <a:srgbClr val="FF0000"/>
+                        </a:solidFill>
+                      </a:endParaRPr>
                     </a:p>
                   </a:txBody>
                   <a:tcPr anchor="ctr"/>
